--- a/presentations/ep1000_assessment/ep1000_assessment.pptx
+++ b/presentations/ep1000_assessment/ep1000_assessment.pptx
@@ -5,13 +5,14 @@
     <p:sldMasterId id="2147483660" r:id="rId1"/>
   </p:sldMasterIdLst>
   <p:notesMasterIdLst>
-    <p:notesMasterId r:id="rId6"/>
+    <p:notesMasterId r:id="rId7"/>
   </p:notesMasterIdLst>
   <p:sldIdLst>
     <p:sldId id="256" r:id="rId2"/>
     <p:sldId id="260" r:id="rId3"/>
     <p:sldId id="261" r:id="rId4"/>
-    <p:sldId id="259" r:id="rId5"/>
+    <p:sldId id="262" r:id="rId5"/>
+    <p:sldId id="259" r:id="rId6"/>
   </p:sldIdLst>
   <p:sldSz cx="9144000" cy="6858000" type="screen4x3"/>
   <p:notesSz cx="6858000" cy="9144000"/>
@@ -200,7 +201,7 @@
           <a:p>
             <a:fld id="{2A875741-58CA-43A4-9946-B635E52C5CD8}" type="datetimeFigureOut">
               <a:rPr lang="en-US" smtClean="0"/>
-              <a:t>5/24/2021</a:t>
+              <a:t>6/8/2021</a:t>
             </a:fld>
             <a:endParaRPr lang="en-US"/>
           </a:p>
@@ -610,7 +611,7 @@
           <a:p>
             <a:fld id="{9665C769-D7C3-4E51-9622-EB882B1C6B88}" type="datetime1">
               <a:rPr lang="en-US" smtClean="0"/>
-              <a:t>5/24/2021</a:t>
+              <a:t>6/8/2021</a:t>
             </a:fld>
             <a:endParaRPr lang="en-US"/>
           </a:p>
@@ -804,7 +805,7 @@
           <a:p>
             <a:fld id="{AC2FA8F2-92AD-4DF3-BB80-1A576E4607C5}" type="datetime1">
               <a:rPr lang="en-US" smtClean="0"/>
-              <a:t>5/24/2021</a:t>
+              <a:t>6/8/2021</a:t>
             </a:fld>
             <a:endParaRPr lang="en-US"/>
           </a:p>
@@ -1003,7 +1004,7 @@
           <a:p>
             <a:fld id="{FF161318-0D48-4B52-BC2D-A0EA8E79725D}" type="datetime1">
               <a:rPr lang="en-US" smtClean="0"/>
-              <a:t>5/24/2021</a:t>
+              <a:t>6/8/2021</a:t>
             </a:fld>
             <a:endParaRPr lang="en-US"/>
           </a:p>
@@ -1197,7 +1198,7 @@
           <a:p>
             <a:fld id="{828929F4-2E32-48E9-8E95-ABAA8EAAF6A9}" type="datetime1">
               <a:rPr lang="en-US" smtClean="0"/>
-              <a:t>5/24/2021</a:t>
+              <a:t>6/8/2021</a:t>
             </a:fld>
             <a:endParaRPr lang="en-US"/>
           </a:p>
@@ -1460,7 +1461,7 @@
           <a:p>
             <a:fld id="{4D668969-C21F-428C-9E53-8D921FF4543A}" type="datetime1">
               <a:rPr lang="en-US" smtClean="0"/>
-              <a:t>5/24/2021</a:t>
+              <a:t>6/8/2021</a:t>
             </a:fld>
             <a:endParaRPr lang="en-US"/>
           </a:p>
@@ -1714,7 +1715,7 @@
           <a:p>
             <a:fld id="{01FB22A5-6159-4D69-BFEE-F4892803599C}" type="datetime1">
               <a:rPr lang="en-US" smtClean="0"/>
-              <a:t>5/24/2021</a:t>
+              <a:t>6/8/2021</a:t>
             </a:fld>
             <a:endParaRPr lang="en-US"/>
           </a:p>
@@ -2108,7 +2109,7 @@
           <a:p>
             <a:fld id="{738CC944-9765-440C-9A18-3DC1DA37440E}" type="datetime1">
               <a:rPr lang="en-US" smtClean="0"/>
-              <a:t>5/24/2021</a:t>
+              <a:t>6/8/2021</a:t>
             </a:fld>
             <a:endParaRPr lang="en-US"/>
           </a:p>
@@ -2242,7 +2243,7 @@
           <a:p>
             <a:fld id="{D8661C67-BB8E-4D16-A78D-460AAF94A53C}" type="datetime1">
               <a:rPr lang="en-US" smtClean="0"/>
-              <a:t>5/24/2021</a:t>
+              <a:t>6/8/2021</a:t>
             </a:fld>
             <a:endParaRPr lang="en-US"/>
           </a:p>
@@ -2353,7 +2354,7 @@
           <a:p>
             <a:fld id="{DBBC12E8-4105-456C-A90A-AF2362FB188F}" type="datetime1">
               <a:rPr lang="en-US" smtClean="0"/>
-              <a:t>5/24/2021</a:t>
+              <a:t>6/8/2021</a:t>
             </a:fld>
             <a:endParaRPr lang="en-US"/>
           </a:p>
@@ -2652,7 +2653,7 @@
           <a:p>
             <a:fld id="{11FD4DDA-56B2-4B92-884C-68E9C78E3003}" type="datetime1">
               <a:rPr lang="en-US" smtClean="0"/>
-              <a:t>5/24/2021</a:t>
+              <a:t>6/8/2021</a:t>
             </a:fld>
             <a:endParaRPr lang="en-US"/>
           </a:p>
@@ -2931,7 +2932,7 @@
           <a:p>
             <a:fld id="{750461B4-47C4-4F2C-98A2-225FD39D225C}" type="datetime1">
               <a:rPr lang="en-US" smtClean="0"/>
-              <a:t>5/24/2021</a:t>
+              <a:t>6/8/2021</a:t>
             </a:fld>
             <a:endParaRPr lang="en-US"/>
           </a:p>
@@ -4618,6 +4619,470 @@
 </file>
 
 <file path=ppt/slides/slide4.xml><?xml version="1.0" encoding="utf-8"?>
+<p:sld xmlns:a="http://schemas.openxmlformats.org/drawingml/2006/main" xmlns:r="http://schemas.openxmlformats.org/officeDocument/2006/relationships" xmlns:p="http://schemas.openxmlformats.org/presentationml/2006/main">
+  <p:cSld>
+    <p:spTree>
+      <p:nvGrpSpPr>
+        <p:cNvPr id="1" name=""/>
+        <p:cNvGrpSpPr/>
+        <p:nvPr/>
+      </p:nvGrpSpPr>
+      <p:grpSpPr>
+        <a:xfrm>
+          <a:off x="0" y="0"/>
+          <a:ext cx="0" cy="0"/>
+          <a:chOff x="0" y="0"/>
+          <a:chExt cx="0" cy="0"/>
+        </a:xfrm>
+      </p:grpSpPr>
+      <p:sp>
+        <p:nvSpPr>
+          <p:cNvPr id="2" name="Title 1">
+            <a:extLst>
+              <a:ext uri="{FF2B5EF4-FFF2-40B4-BE49-F238E27FC236}">
+                <a16:creationId xmlns:a16="http://schemas.microsoft.com/office/drawing/2014/main" id="{F0ABA2DC-3DF6-42F2-815A-05BBEF98C052}"/>
+              </a:ext>
+            </a:extLst>
+          </p:cNvPr>
+          <p:cNvSpPr>
+            <a:spLocks noGrp="1"/>
+          </p:cNvSpPr>
+          <p:nvPr>
+            <p:ph type="title"/>
+          </p:nvPr>
+        </p:nvSpPr>
+        <p:spPr/>
+        <p:txBody>
+          <a:bodyPr/>
+          <a:lstStyle/>
+          <a:p>
+            <a:r>
+              <a:rPr lang="en-US" dirty="0"/>
+              <a:t>CA2 Digital Fabrication Skills</a:t>
+            </a:r>
+          </a:p>
+        </p:txBody>
+      </p:sp>
+      <p:graphicFrame>
+        <p:nvGraphicFramePr>
+          <p:cNvPr id="5" name="Table 5">
+            <a:extLst>
+              <a:ext uri="{FF2B5EF4-FFF2-40B4-BE49-F238E27FC236}">
+                <a16:creationId xmlns:a16="http://schemas.microsoft.com/office/drawing/2014/main" id="{95299431-A7BE-4399-8B5E-FE423180FD2D}"/>
+              </a:ext>
+            </a:extLst>
+          </p:cNvPr>
+          <p:cNvGraphicFramePr>
+            <a:graphicFrameLocks noGrp="1"/>
+          </p:cNvGraphicFramePr>
+          <p:nvPr>
+            <p:ph idx="1"/>
+            <p:extLst>
+              <p:ext uri="{D42A27DB-BD31-4B8C-83A1-F6EECF244321}">
+                <p14:modId xmlns:p14="http://schemas.microsoft.com/office/powerpoint/2010/main" val="1495526853"/>
+              </p:ext>
+            </p:extLst>
+          </p:nvPr>
+        </p:nvGraphicFramePr>
+        <p:xfrm>
+          <a:off x="628650" y="1542448"/>
+          <a:ext cx="7012056" cy="4211320"/>
+        </p:xfrm>
+        <a:graphic>
+          <a:graphicData uri="http://schemas.openxmlformats.org/drawingml/2006/table">
+            <a:tbl>
+              <a:tblPr firstRow="1" bandRow="1">
+                <a:tableStyleId>{93296810-A885-4BE3-A3E7-6D5BEEA58F35}</a:tableStyleId>
+              </a:tblPr>
+              <a:tblGrid>
+                <a:gridCol w="683315">
+                  <a:extLst>
+                    <a:ext uri="{9D8B030D-6E8A-4147-A177-3AD203B41FA5}">
+                      <a16:colId xmlns:a16="http://schemas.microsoft.com/office/drawing/2014/main" val="1861376879"/>
+                    </a:ext>
+                  </a:extLst>
+                </a:gridCol>
+                <a:gridCol w="4969565">
+                  <a:extLst>
+                    <a:ext uri="{9D8B030D-6E8A-4147-A177-3AD203B41FA5}">
+                      <a16:colId xmlns:a16="http://schemas.microsoft.com/office/drawing/2014/main" val="3016697099"/>
+                    </a:ext>
+                  </a:extLst>
+                </a:gridCol>
+                <a:gridCol w="1359176">
+                  <a:extLst>
+                    <a:ext uri="{9D8B030D-6E8A-4147-A177-3AD203B41FA5}">
+                      <a16:colId xmlns:a16="http://schemas.microsoft.com/office/drawing/2014/main" val="919163219"/>
+                    </a:ext>
+                  </a:extLst>
+                </a:gridCol>
+              </a:tblGrid>
+              <a:tr h="370840">
+                <a:tc>
+                  <a:txBody>
+                    <a:bodyPr/>
+                    <a:lstStyle/>
+                    <a:p>
+                      <a:r>
+                        <a:rPr lang="en-US" dirty="0" err="1"/>
+                        <a:t>SNo</a:t>
+                      </a:r>
+                      <a:endParaRPr lang="en-US" dirty="0"/>
+                    </a:p>
+                  </a:txBody>
+                  <a:tcPr/>
+                </a:tc>
+                <a:tc>
+                  <a:txBody>
+                    <a:bodyPr/>
+                    <a:lstStyle/>
+                    <a:p>
+                      <a:r>
+                        <a:rPr lang="en-US" dirty="0"/>
+                        <a:t>Description</a:t>
+                      </a:r>
+                    </a:p>
+                  </a:txBody>
+                  <a:tcPr/>
+                </a:tc>
+                <a:tc>
+                  <a:txBody>
+                    <a:bodyPr/>
+                    <a:lstStyle/>
+                    <a:p>
+                      <a:r>
+                        <a:rPr lang="en-US" dirty="0"/>
+                        <a:t>Weightage</a:t>
+                      </a:r>
+                    </a:p>
+                  </a:txBody>
+                  <a:tcPr/>
+                </a:tc>
+                <a:extLst>
+                  <a:ext uri="{0D108BD9-81ED-4DB2-BD59-A6C34878D82A}">
+                    <a16:rowId xmlns:a16="http://schemas.microsoft.com/office/drawing/2014/main" val="3295945985"/>
+                  </a:ext>
+                </a:extLst>
+              </a:tr>
+              <a:tr h="370840">
+                <a:tc>
+                  <a:txBody>
+                    <a:bodyPr/>
+                    <a:lstStyle/>
+                    <a:p>
+                      <a:r>
+                        <a:rPr lang="en-US" dirty="0"/>
+                        <a:t>1</a:t>
+                      </a:r>
+                    </a:p>
+                  </a:txBody>
+                  <a:tcPr/>
+                </a:tc>
+                <a:tc>
+                  <a:txBody>
+                    <a:bodyPr/>
+                    <a:lstStyle/>
+                    <a:p>
+                      <a:r>
+                        <a:rPr lang="en-SG" dirty="0"/>
+                        <a:t>3D Printing</a:t>
+                      </a:r>
+                    </a:p>
+                    <a:p>
+                      <a:pPr marL="285750" indent="-285750">
+                        <a:buFont typeface="Arial" panose="020B0604020202020204" pitchFamily="34" charset="0"/>
+                        <a:buChar char="•"/>
+                      </a:pPr>
+                      <a:r>
+                        <a:rPr lang="en-SG" dirty="0"/>
+                        <a:t>Documentation &amp; 3D Model of Chess piece (30%)</a:t>
+                      </a:r>
+                    </a:p>
+                    <a:p>
+                      <a:pPr marL="285750" indent="-285750">
+                        <a:buFont typeface="Arial" panose="020B0604020202020204" pitchFamily="34" charset="0"/>
+                        <a:buChar char="•"/>
+                      </a:pPr>
+                      <a:r>
+                        <a:rPr lang="en-SG" dirty="0"/>
+                        <a:t>3D Printed Model (30%)</a:t>
+                      </a:r>
+                    </a:p>
+                    <a:p>
+                      <a:pPr marL="285750" indent="-285750">
+                        <a:buFont typeface="Arial" panose="020B0604020202020204" pitchFamily="34" charset="0"/>
+                        <a:buChar char="•"/>
+                      </a:pPr>
+                      <a:r>
+                        <a:rPr lang="en-SG" dirty="0"/>
+                        <a:t>Passed 3D Printing Assessment (40%)</a:t>
+                      </a:r>
+                      <a:endParaRPr lang="en-US" dirty="0"/>
+                    </a:p>
+                  </a:txBody>
+                  <a:tcPr/>
+                </a:tc>
+                <a:tc>
+                  <a:txBody>
+                    <a:bodyPr/>
+                    <a:lstStyle/>
+                    <a:p>
+                      <a:r>
+                        <a:rPr lang="en-SG" dirty="0"/>
+                        <a:t>40%</a:t>
+                      </a:r>
+                      <a:endParaRPr lang="en-US" dirty="0"/>
+                    </a:p>
+                  </a:txBody>
+                  <a:tcPr/>
+                </a:tc>
+                <a:extLst>
+                  <a:ext uri="{0D108BD9-81ED-4DB2-BD59-A6C34878D82A}">
+                    <a16:rowId xmlns:a16="http://schemas.microsoft.com/office/drawing/2014/main" val="3276927278"/>
+                  </a:ext>
+                </a:extLst>
+              </a:tr>
+              <a:tr h="370840">
+                <a:tc>
+                  <a:txBody>
+                    <a:bodyPr/>
+                    <a:lstStyle/>
+                    <a:p>
+                      <a:r>
+                        <a:rPr lang="en-SG" dirty="0"/>
+                        <a:t>2</a:t>
+                      </a:r>
+                      <a:endParaRPr lang="en-US" dirty="0"/>
+                    </a:p>
+                  </a:txBody>
+                  <a:tcPr/>
+                </a:tc>
+                <a:tc>
+                  <a:txBody>
+                    <a:bodyPr/>
+                    <a:lstStyle/>
+                    <a:p>
+                      <a:r>
+                        <a:rPr lang="en-SG" dirty="0"/>
+                        <a:t>Computer Controlled Cutting</a:t>
+                      </a:r>
+                    </a:p>
+                    <a:p>
+                      <a:pPr marL="285750" indent="-285750">
+                        <a:buFont typeface="Arial" panose="020B0604020202020204" pitchFamily="34" charset="0"/>
+                        <a:buChar char="•"/>
+                      </a:pPr>
+                      <a:r>
+                        <a:rPr lang="en-US" dirty="0"/>
+                        <a:t>Documentation of workflow of box (30%)</a:t>
+                      </a:r>
+                    </a:p>
+                    <a:p>
+                      <a:pPr marL="285750" indent="-285750">
+                        <a:buFont typeface="Arial" panose="020B0604020202020204" pitchFamily="34" charset="0"/>
+                        <a:buChar char="•"/>
+                      </a:pPr>
+                      <a:r>
+                        <a:rPr lang="en-US" dirty="0"/>
+                        <a:t>Laser cut finished product (30%)</a:t>
+                      </a:r>
+                    </a:p>
+                    <a:p>
+                      <a:pPr marL="285750" indent="-285750">
+                        <a:buFont typeface="Arial" panose="020B0604020202020204" pitchFamily="34" charset="0"/>
+                        <a:buChar char="•"/>
+                      </a:pPr>
+                      <a:r>
+                        <a:rPr lang="en-US" dirty="0"/>
+                        <a:t>Passed Laser cutting Assessment (40%)</a:t>
+                      </a:r>
+                    </a:p>
+                  </a:txBody>
+                  <a:tcPr/>
+                </a:tc>
+                <a:tc>
+                  <a:txBody>
+                    <a:bodyPr/>
+                    <a:lstStyle/>
+                    <a:p>
+                      <a:r>
+                        <a:rPr lang="en-SG" dirty="0"/>
+                        <a:t>40%</a:t>
+                      </a:r>
+                      <a:endParaRPr lang="en-US" dirty="0"/>
+                    </a:p>
+                  </a:txBody>
+                  <a:tcPr/>
+                </a:tc>
+                <a:extLst>
+                  <a:ext uri="{0D108BD9-81ED-4DB2-BD59-A6C34878D82A}">
+                    <a16:rowId xmlns:a16="http://schemas.microsoft.com/office/drawing/2014/main" val="3431427688"/>
+                  </a:ext>
+                </a:extLst>
+              </a:tr>
+              <a:tr h="370840">
+                <a:tc>
+                  <a:txBody>
+                    <a:bodyPr/>
+                    <a:lstStyle/>
+                    <a:p>
+                      <a:r>
+                        <a:rPr lang="en-SG" dirty="0"/>
+                        <a:t>3</a:t>
+                      </a:r>
+                      <a:endParaRPr lang="en-US" dirty="0"/>
+                    </a:p>
+                  </a:txBody>
+                  <a:tcPr/>
+                </a:tc>
+                <a:tc>
+                  <a:txBody>
+                    <a:bodyPr/>
+                    <a:lstStyle/>
+                    <a:p>
+                      <a:pPr marL="0" indent="0">
+                        <a:buFont typeface="Arial" panose="020B0604020202020204" pitchFamily="34" charset="0"/>
+                        <a:buNone/>
+                      </a:pPr>
+                      <a:r>
+                        <a:rPr lang="en-SG" dirty="0"/>
+                        <a:t>Embedded Systems</a:t>
+                      </a:r>
+                    </a:p>
+                    <a:p>
+                      <a:pPr marL="285750" indent="-285750">
+                        <a:buFont typeface="Arial" panose="020B0604020202020204" pitchFamily="34" charset="0"/>
+                        <a:buChar char="•"/>
+                      </a:pPr>
+                      <a:r>
+                        <a:rPr lang="en-SG" dirty="0"/>
+                        <a:t>Completed </a:t>
+                      </a:r>
+                      <a:r>
+                        <a:rPr lang="en-SG" dirty="0" err="1"/>
+                        <a:t>TinkerCAD</a:t>
+                      </a:r>
+                      <a:r>
+                        <a:rPr lang="en-SG" dirty="0"/>
+                        <a:t> Astable 555 assignment with documentation (60%)</a:t>
+                      </a:r>
+                    </a:p>
+                    <a:p>
+                      <a:pPr marL="285750" indent="-285750">
+                        <a:buFont typeface="Arial" panose="020B0604020202020204" pitchFamily="34" charset="0"/>
+                        <a:buChar char="•"/>
+                      </a:pPr>
+                      <a:r>
+                        <a:rPr lang="en-SG" dirty="0"/>
+                        <a:t>Practical breadboarding of assignment (40%)</a:t>
+                      </a:r>
+                      <a:endParaRPr lang="en-US" dirty="0"/>
+                    </a:p>
+                  </a:txBody>
+                  <a:tcPr/>
+                </a:tc>
+                <a:tc>
+                  <a:txBody>
+                    <a:bodyPr/>
+                    <a:lstStyle/>
+                    <a:p>
+                      <a:r>
+                        <a:rPr lang="en-SG" dirty="0"/>
+                        <a:t>20%</a:t>
+                      </a:r>
+                      <a:endParaRPr lang="en-US" dirty="0"/>
+                    </a:p>
+                  </a:txBody>
+                  <a:tcPr/>
+                </a:tc>
+                <a:extLst>
+                  <a:ext uri="{0D108BD9-81ED-4DB2-BD59-A6C34878D82A}">
+                    <a16:rowId xmlns:a16="http://schemas.microsoft.com/office/drawing/2014/main" val="108414519"/>
+                  </a:ext>
+                </a:extLst>
+              </a:tr>
+            </a:tbl>
+          </a:graphicData>
+        </a:graphic>
+      </p:graphicFrame>
+      <p:sp>
+        <p:nvSpPr>
+          <p:cNvPr id="4" name="Slide Number Placeholder 3">
+            <a:extLst>
+              <a:ext uri="{FF2B5EF4-FFF2-40B4-BE49-F238E27FC236}">
+                <a16:creationId xmlns:a16="http://schemas.microsoft.com/office/drawing/2014/main" id="{0FA5DAF8-BF85-4815-A86E-79633830CFAC}"/>
+              </a:ext>
+            </a:extLst>
+          </p:cNvPr>
+          <p:cNvSpPr>
+            <a:spLocks noGrp="1"/>
+          </p:cNvSpPr>
+          <p:nvPr>
+            <p:ph type="sldNum" sz="quarter" idx="12"/>
+          </p:nvPr>
+        </p:nvSpPr>
+        <p:spPr/>
+        <p:txBody>
+          <a:bodyPr/>
+          <a:lstStyle/>
+          <a:p>
+            <a:fld id="{CAB166B3-F268-4CEF-878A-CFB0D0D505D3}" type="slidenum">
+              <a:rPr lang="en-US" smtClean="0"/>
+              <a:t>4</a:t>
+            </a:fld>
+            <a:endParaRPr lang="en-US"/>
+          </a:p>
+        </p:txBody>
+      </p:sp>
+      <p:sp>
+        <p:nvSpPr>
+          <p:cNvPr id="3" name="TextBox 2">
+            <a:extLst>
+              <a:ext uri="{FF2B5EF4-FFF2-40B4-BE49-F238E27FC236}">
+                <a16:creationId xmlns:a16="http://schemas.microsoft.com/office/drawing/2014/main" id="{6D44E51B-0BAE-4DD6-A759-14FA544B979C}"/>
+              </a:ext>
+            </a:extLst>
+          </p:cNvPr>
+          <p:cNvSpPr txBox="1"/>
+          <p:nvPr/>
+        </p:nvSpPr>
+        <p:spPr>
+          <a:xfrm>
+            <a:off x="745435" y="5945091"/>
+            <a:ext cx="6895271" cy="338554"/>
+          </a:xfrm>
+          <a:prstGeom prst="rect">
+            <a:avLst/>
+          </a:prstGeom>
+          <a:noFill/>
+        </p:spPr>
+        <p:txBody>
+          <a:bodyPr wrap="square" rtlCol="0">
+            <a:spAutoFit/>
+          </a:bodyPr>
+          <a:lstStyle/>
+          <a:p>
+            <a:r>
+              <a:rPr lang="en-US" sz="1600" dirty="0"/>
+              <a:t>Note: Each component must be supported by relevant site documentation</a:t>
+            </a:r>
+          </a:p>
+        </p:txBody>
+      </p:sp>
+    </p:spTree>
+    <p:extLst>
+      <p:ext uri="{BB962C8B-B14F-4D97-AF65-F5344CB8AC3E}">
+        <p14:creationId xmlns:p14="http://schemas.microsoft.com/office/powerpoint/2010/main" val="3103231990"/>
+      </p:ext>
+    </p:extLst>
+  </p:cSld>
+  <p:clrMapOvr>
+    <a:masterClrMapping/>
+  </p:clrMapOvr>
+</p:sld>
+</file>
+
+<file path=ppt/slides/slide5.xml><?xml version="1.0" encoding="utf-8"?>
 <p:sld xmlns:a="http://schemas.openxmlformats.org/drawingml/2006/main" xmlns:r="http://schemas.openxmlformats.org/officeDocument/2006/relationships" xmlns:p="http://schemas.openxmlformats.org/presentationml/2006/main">
   <p:cSld>
     <p:spTree>

--- a/presentations/ep1000_assessment/ep1000_assessment.pptx
+++ b/presentations/ep1000_assessment/ep1000_assessment.pptx
@@ -5,14 +5,15 @@
     <p:sldMasterId id="2147483660" r:id="rId1"/>
   </p:sldMasterIdLst>
   <p:notesMasterIdLst>
-    <p:notesMasterId r:id="rId7"/>
+    <p:notesMasterId r:id="rId8"/>
   </p:notesMasterIdLst>
   <p:sldIdLst>
     <p:sldId id="256" r:id="rId2"/>
     <p:sldId id="260" r:id="rId3"/>
     <p:sldId id="261" r:id="rId4"/>
     <p:sldId id="262" r:id="rId5"/>
-    <p:sldId id="259" r:id="rId6"/>
+    <p:sldId id="263" r:id="rId6"/>
+    <p:sldId id="259" r:id="rId7"/>
   </p:sldIdLst>
   <p:sldSz cx="9144000" cy="6858000" type="screen4x3"/>
   <p:notesSz cx="6858000" cy="9144000"/>
@@ -201,7 +202,7 @@
           <a:p>
             <a:fld id="{2A875741-58CA-43A4-9946-B635E52C5CD8}" type="datetimeFigureOut">
               <a:rPr lang="en-US" smtClean="0"/>
-              <a:t>6/8/2021</a:t>
+              <a:t>8/17/2021</a:t>
             </a:fld>
             <a:endParaRPr lang="en-US"/>
           </a:p>
@@ -611,7 +612,7 @@
           <a:p>
             <a:fld id="{9665C769-D7C3-4E51-9622-EB882B1C6B88}" type="datetime1">
               <a:rPr lang="en-US" smtClean="0"/>
-              <a:t>6/8/2021</a:t>
+              <a:t>8/17/2021</a:t>
             </a:fld>
             <a:endParaRPr lang="en-US"/>
           </a:p>
@@ -805,7 +806,7 @@
           <a:p>
             <a:fld id="{AC2FA8F2-92AD-4DF3-BB80-1A576E4607C5}" type="datetime1">
               <a:rPr lang="en-US" smtClean="0"/>
-              <a:t>6/8/2021</a:t>
+              <a:t>8/17/2021</a:t>
             </a:fld>
             <a:endParaRPr lang="en-US"/>
           </a:p>
@@ -1004,7 +1005,7 @@
           <a:p>
             <a:fld id="{FF161318-0D48-4B52-BC2D-A0EA8E79725D}" type="datetime1">
               <a:rPr lang="en-US" smtClean="0"/>
-              <a:t>6/8/2021</a:t>
+              <a:t>8/17/2021</a:t>
             </a:fld>
             <a:endParaRPr lang="en-US"/>
           </a:p>
@@ -1198,7 +1199,7 @@
           <a:p>
             <a:fld id="{828929F4-2E32-48E9-8E95-ABAA8EAAF6A9}" type="datetime1">
               <a:rPr lang="en-US" smtClean="0"/>
-              <a:t>6/8/2021</a:t>
+              <a:t>8/17/2021</a:t>
             </a:fld>
             <a:endParaRPr lang="en-US"/>
           </a:p>
@@ -1461,7 +1462,7 @@
           <a:p>
             <a:fld id="{4D668969-C21F-428C-9E53-8D921FF4543A}" type="datetime1">
               <a:rPr lang="en-US" smtClean="0"/>
-              <a:t>6/8/2021</a:t>
+              <a:t>8/17/2021</a:t>
             </a:fld>
             <a:endParaRPr lang="en-US"/>
           </a:p>
@@ -1715,7 +1716,7 @@
           <a:p>
             <a:fld id="{01FB22A5-6159-4D69-BFEE-F4892803599C}" type="datetime1">
               <a:rPr lang="en-US" smtClean="0"/>
-              <a:t>6/8/2021</a:t>
+              <a:t>8/17/2021</a:t>
             </a:fld>
             <a:endParaRPr lang="en-US"/>
           </a:p>
@@ -2109,7 +2110,7 @@
           <a:p>
             <a:fld id="{738CC944-9765-440C-9A18-3DC1DA37440E}" type="datetime1">
               <a:rPr lang="en-US" smtClean="0"/>
-              <a:t>6/8/2021</a:t>
+              <a:t>8/17/2021</a:t>
             </a:fld>
             <a:endParaRPr lang="en-US"/>
           </a:p>
@@ -2243,7 +2244,7 @@
           <a:p>
             <a:fld id="{D8661C67-BB8E-4D16-A78D-460AAF94A53C}" type="datetime1">
               <a:rPr lang="en-US" smtClean="0"/>
-              <a:t>6/8/2021</a:t>
+              <a:t>8/17/2021</a:t>
             </a:fld>
             <a:endParaRPr lang="en-US"/>
           </a:p>
@@ -2354,7 +2355,7 @@
           <a:p>
             <a:fld id="{DBBC12E8-4105-456C-A90A-AF2362FB188F}" type="datetime1">
               <a:rPr lang="en-US" smtClean="0"/>
-              <a:t>6/8/2021</a:t>
+              <a:t>8/17/2021</a:t>
             </a:fld>
             <a:endParaRPr lang="en-US"/>
           </a:p>
@@ -2653,7 +2654,7 @@
           <a:p>
             <a:fld id="{11FD4DDA-56B2-4B92-884C-68E9C78E3003}" type="datetime1">
               <a:rPr lang="en-US" smtClean="0"/>
-              <a:t>6/8/2021</a:t>
+              <a:t>8/17/2021</a:t>
             </a:fld>
             <a:endParaRPr lang="en-US"/>
           </a:p>
@@ -2932,7 +2933,7 @@
           <a:p>
             <a:fld id="{750461B4-47C4-4F2C-98A2-225FD39D225C}" type="datetime1">
               <a:rPr lang="en-US" smtClean="0"/>
-              <a:t>6/8/2021</a:t>
+              <a:t>8/17/2021</a:t>
             </a:fld>
             <a:endParaRPr lang="en-US"/>
           </a:p>
@@ -3999,7 +4000,9 @@
         </p:nvSpPr>
         <p:spPr/>
         <p:txBody>
-          <a:bodyPr/>
+          <a:bodyPr>
+            <a:normAutofit fontScale="90000"/>
+          </a:bodyPr>
           <a:lstStyle/>
           <a:p>
             <a:r>
@@ -5083,6 +5086,715 @@
 </file>
 
 <file path=ppt/slides/slide5.xml><?xml version="1.0" encoding="utf-8"?>
+<p:sld xmlns:a="http://schemas.openxmlformats.org/drawingml/2006/main" xmlns:r="http://schemas.openxmlformats.org/officeDocument/2006/relationships" xmlns:p="http://schemas.openxmlformats.org/presentationml/2006/main">
+  <p:cSld>
+    <p:spTree>
+      <p:nvGrpSpPr>
+        <p:cNvPr id="1" name=""/>
+        <p:cNvGrpSpPr/>
+        <p:nvPr/>
+      </p:nvGrpSpPr>
+      <p:grpSpPr>
+        <a:xfrm>
+          <a:off x="0" y="0"/>
+          <a:ext cx="0" cy="0"/>
+          <a:chOff x="0" y="0"/>
+          <a:chExt cx="0" cy="0"/>
+        </a:xfrm>
+      </p:grpSpPr>
+      <p:sp>
+        <p:nvSpPr>
+          <p:cNvPr id="2" name="Title 1">
+            <a:extLst>
+              <a:ext uri="{FF2B5EF4-FFF2-40B4-BE49-F238E27FC236}">
+                <a16:creationId xmlns:a16="http://schemas.microsoft.com/office/drawing/2014/main" id="{F0ABA2DC-3DF6-42F2-815A-05BBEF98C052}"/>
+              </a:ext>
+            </a:extLst>
+          </p:cNvPr>
+          <p:cNvSpPr>
+            <a:spLocks noGrp="1"/>
+          </p:cNvSpPr>
+          <p:nvPr>
+            <p:ph type="title"/>
+          </p:nvPr>
+        </p:nvSpPr>
+        <p:spPr/>
+        <p:txBody>
+          <a:bodyPr/>
+          <a:lstStyle/>
+          <a:p>
+            <a:r>
+              <a:rPr lang="en-US" dirty="0" smtClean="0"/>
+              <a:t>CA3 Summative Project</a:t>
+            </a:r>
+            <a:endParaRPr lang="en-US" dirty="0"/>
+          </a:p>
+        </p:txBody>
+      </p:sp>
+      <p:graphicFrame>
+        <p:nvGraphicFramePr>
+          <p:cNvPr id="5" name="Table 5">
+            <a:extLst>
+              <a:ext uri="{FF2B5EF4-FFF2-40B4-BE49-F238E27FC236}">
+                <a16:creationId xmlns:a16="http://schemas.microsoft.com/office/drawing/2014/main" id="{95299431-A7BE-4399-8B5E-FE423180FD2D}"/>
+              </a:ext>
+            </a:extLst>
+          </p:cNvPr>
+          <p:cNvGraphicFramePr>
+            <a:graphicFrameLocks noGrp="1"/>
+          </p:cNvGraphicFramePr>
+          <p:nvPr>
+            <p:ph idx="1"/>
+            <p:extLst>
+              <p:ext uri="{D42A27DB-BD31-4B8C-83A1-F6EECF244321}">
+                <p14:modId xmlns:p14="http://schemas.microsoft.com/office/powerpoint/2010/main" val="1853120704"/>
+              </p:ext>
+            </p:extLst>
+          </p:nvPr>
+        </p:nvGraphicFramePr>
+        <p:xfrm>
+          <a:off x="628650" y="1542448"/>
+          <a:ext cx="7012056" cy="3708400"/>
+        </p:xfrm>
+        <a:graphic>
+          <a:graphicData uri="http://schemas.openxmlformats.org/drawingml/2006/table">
+            <a:tbl>
+              <a:tblPr firstRow="1" bandRow="1">
+                <a:tableStyleId>{93296810-A885-4BE3-A3E7-6D5BEEA58F35}</a:tableStyleId>
+              </a:tblPr>
+              <a:tblGrid>
+                <a:gridCol w="683315">
+                  <a:extLst>
+                    <a:ext uri="{9D8B030D-6E8A-4147-A177-3AD203B41FA5}">
+                      <a16:colId xmlns:a16="http://schemas.microsoft.com/office/drawing/2014/main" val="1861376879"/>
+                    </a:ext>
+                  </a:extLst>
+                </a:gridCol>
+                <a:gridCol w="4969565">
+                  <a:extLst>
+                    <a:ext uri="{9D8B030D-6E8A-4147-A177-3AD203B41FA5}">
+                      <a16:colId xmlns:a16="http://schemas.microsoft.com/office/drawing/2014/main" val="3016697099"/>
+                    </a:ext>
+                  </a:extLst>
+                </a:gridCol>
+                <a:gridCol w="1359176">
+                  <a:extLst>
+                    <a:ext uri="{9D8B030D-6E8A-4147-A177-3AD203B41FA5}">
+                      <a16:colId xmlns:a16="http://schemas.microsoft.com/office/drawing/2014/main" val="919163219"/>
+                    </a:ext>
+                  </a:extLst>
+                </a:gridCol>
+              </a:tblGrid>
+              <a:tr h="370840">
+                <a:tc>
+                  <a:txBody>
+                    <a:bodyPr/>
+                    <a:lstStyle/>
+                    <a:p>
+                      <a:r>
+                        <a:rPr lang="en-US" dirty="0" err="1"/>
+                        <a:t>SNo</a:t>
+                      </a:r>
+                      <a:endParaRPr lang="en-US" dirty="0"/>
+                    </a:p>
+                  </a:txBody>
+                  <a:tcPr/>
+                </a:tc>
+                <a:tc>
+                  <a:txBody>
+                    <a:bodyPr/>
+                    <a:lstStyle/>
+                    <a:p>
+                      <a:r>
+                        <a:rPr lang="en-US" dirty="0"/>
+                        <a:t>Description</a:t>
+                      </a:r>
+                    </a:p>
+                  </a:txBody>
+                  <a:tcPr/>
+                </a:tc>
+                <a:tc>
+                  <a:txBody>
+                    <a:bodyPr/>
+                    <a:lstStyle/>
+                    <a:p>
+                      <a:r>
+                        <a:rPr lang="en-US" dirty="0"/>
+                        <a:t>Weightage</a:t>
+                      </a:r>
+                    </a:p>
+                  </a:txBody>
+                  <a:tcPr/>
+                </a:tc>
+                <a:extLst>
+                  <a:ext uri="{0D108BD9-81ED-4DB2-BD59-A6C34878D82A}">
+                    <a16:rowId xmlns:a16="http://schemas.microsoft.com/office/drawing/2014/main" val="3295945985"/>
+                  </a:ext>
+                </a:extLst>
+              </a:tr>
+              <a:tr h="370840">
+                <a:tc>
+                  <a:txBody>
+                    <a:bodyPr/>
+                    <a:lstStyle/>
+                    <a:p>
+                      <a:r>
+                        <a:rPr lang="en-US" dirty="0"/>
+                        <a:t>1</a:t>
+                      </a:r>
+                    </a:p>
+                  </a:txBody>
+                  <a:tcPr/>
+                </a:tc>
+                <a:tc>
+                  <a:txBody>
+                    <a:bodyPr/>
+                    <a:lstStyle/>
+                    <a:p>
+                      <a:r>
+                        <a:rPr lang="en-SG" dirty="0"/>
+                        <a:t>3D </a:t>
+                      </a:r>
+                      <a:r>
+                        <a:rPr lang="en-SG" dirty="0" smtClean="0"/>
+                        <a:t>Printing</a:t>
+                      </a:r>
+                      <a:endParaRPr lang="en-SG" dirty="0"/>
+                    </a:p>
+                  </a:txBody>
+                  <a:tcPr/>
+                </a:tc>
+                <a:tc>
+                  <a:txBody>
+                    <a:bodyPr/>
+                    <a:lstStyle/>
+                    <a:p>
+                      <a:r>
+                        <a:rPr lang="en-SG" dirty="0" smtClean="0"/>
+                        <a:t>15%</a:t>
+                      </a:r>
+                      <a:endParaRPr lang="en-US" dirty="0"/>
+                    </a:p>
+                  </a:txBody>
+                  <a:tcPr/>
+                </a:tc>
+                <a:extLst>
+                  <a:ext uri="{0D108BD9-81ED-4DB2-BD59-A6C34878D82A}">
+                    <a16:rowId xmlns:a16="http://schemas.microsoft.com/office/drawing/2014/main" val="3276927278"/>
+                  </a:ext>
+                </a:extLst>
+              </a:tr>
+              <a:tr h="370840">
+                <a:tc>
+                  <a:txBody>
+                    <a:bodyPr/>
+                    <a:lstStyle/>
+                    <a:p>
+                      <a:r>
+                        <a:rPr lang="en-SG" dirty="0"/>
+                        <a:t>2</a:t>
+                      </a:r>
+                      <a:endParaRPr lang="en-US" dirty="0"/>
+                    </a:p>
+                  </a:txBody>
+                  <a:tcPr/>
+                </a:tc>
+                <a:tc>
+                  <a:txBody>
+                    <a:bodyPr/>
+                    <a:lstStyle/>
+                    <a:p>
+                      <a:r>
+                        <a:rPr lang="en-SG" dirty="0"/>
+                        <a:t>Computer Controlled </a:t>
+                      </a:r>
+                      <a:r>
+                        <a:rPr lang="en-SG" dirty="0" smtClean="0"/>
+                        <a:t>Cutting</a:t>
+                      </a:r>
+                      <a:endParaRPr lang="en-SG" dirty="0"/>
+                    </a:p>
+                  </a:txBody>
+                  <a:tcPr/>
+                </a:tc>
+                <a:tc>
+                  <a:txBody>
+                    <a:bodyPr/>
+                    <a:lstStyle/>
+                    <a:p>
+                      <a:r>
+                        <a:rPr lang="en-SG" dirty="0" smtClean="0"/>
+                        <a:t>15%</a:t>
+                      </a:r>
+                      <a:endParaRPr lang="en-US" dirty="0"/>
+                    </a:p>
+                  </a:txBody>
+                  <a:tcPr/>
+                </a:tc>
+                <a:extLst>
+                  <a:ext uri="{0D108BD9-81ED-4DB2-BD59-A6C34878D82A}">
+                    <a16:rowId xmlns:a16="http://schemas.microsoft.com/office/drawing/2014/main" val="3431427688"/>
+                  </a:ext>
+                </a:extLst>
+              </a:tr>
+              <a:tr h="370840">
+                <a:tc>
+                  <a:txBody>
+                    <a:bodyPr/>
+                    <a:lstStyle/>
+                    <a:p>
+                      <a:r>
+                        <a:rPr lang="en-US" dirty="0" smtClean="0"/>
+                        <a:t>3</a:t>
+                      </a:r>
+                      <a:endParaRPr lang="en-US" dirty="0"/>
+                    </a:p>
+                  </a:txBody>
+                  <a:tcPr/>
+                </a:tc>
+                <a:tc>
+                  <a:txBody>
+                    <a:bodyPr/>
+                    <a:lstStyle/>
+                    <a:p>
+                      <a:pPr marL="0" indent="0">
+                        <a:buFont typeface="Arial" panose="020B0604020202020204" pitchFamily="34" charset="0"/>
+                        <a:buNone/>
+                      </a:pPr>
+                      <a:r>
+                        <a:rPr lang="en-US" dirty="0" smtClean="0"/>
+                        <a:t>Embedded</a:t>
+                      </a:r>
+                      <a:r>
+                        <a:rPr lang="en-US" baseline="0" dirty="0" smtClean="0"/>
+                        <a:t> Systems (with Input/Output)</a:t>
+                      </a:r>
+                      <a:endParaRPr lang="en-US" dirty="0"/>
+                    </a:p>
+                  </a:txBody>
+                  <a:tcPr/>
+                </a:tc>
+                <a:tc>
+                  <a:txBody>
+                    <a:bodyPr/>
+                    <a:lstStyle/>
+                    <a:p>
+                      <a:r>
+                        <a:rPr lang="en-SG" dirty="0" smtClean="0"/>
+                        <a:t>15%</a:t>
+                      </a:r>
+                      <a:endParaRPr lang="en-US" dirty="0"/>
+                    </a:p>
+                  </a:txBody>
+                  <a:tcPr/>
+                </a:tc>
+                <a:extLst>
+                  <a:ext uri="{0D108BD9-81ED-4DB2-BD59-A6C34878D82A}">
+                    <a16:rowId xmlns:a16="http://schemas.microsoft.com/office/drawing/2014/main" val="108414519"/>
+                  </a:ext>
+                </a:extLst>
+              </a:tr>
+              <a:tr h="370840">
+                <a:tc>
+                  <a:txBody>
+                    <a:bodyPr/>
+                    <a:lstStyle/>
+                    <a:p>
+                      <a:r>
+                        <a:rPr lang="en-US" dirty="0" smtClean="0"/>
+                        <a:t>4</a:t>
+                      </a:r>
+                      <a:endParaRPr lang="en-US" dirty="0"/>
+                    </a:p>
+                  </a:txBody>
+                  <a:tcPr/>
+                </a:tc>
+                <a:tc>
+                  <a:txBody>
+                    <a:bodyPr/>
+                    <a:lstStyle/>
+                    <a:p>
+                      <a:pPr marL="0" indent="0">
+                        <a:buFont typeface="Arial" panose="020B0604020202020204" pitchFamily="34" charset="0"/>
+                        <a:buNone/>
+                      </a:pPr>
+                      <a:r>
+                        <a:rPr lang="en-US" dirty="0" smtClean="0"/>
+                        <a:t>Integration</a:t>
+                      </a:r>
+                      <a:endParaRPr lang="en-US" dirty="0"/>
+                    </a:p>
+                  </a:txBody>
+                  <a:tcPr/>
+                </a:tc>
+                <a:tc>
+                  <a:txBody>
+                    <a:bodyPr/>
+                    <a:lstStyle/>
+                    <a:p>
+                      <a:r>
+                        <a:rPr lang="en-US" dirty="0" smtClean="0"/>
+                        <a:t>20%</a:t>
+                      </a:r>
+                      <a:endParaRPr lang="en-US" dirty="0"/>
+                    </a:p>
+                  </a:txBody>
+                  <a:tcPr/>
+                </a:tc>
+                <a:extLst>
+                  <a:ext uri="{0D108BD9-81ED-4DB2-BD59-A6C34878D82A}">
+                    <a16:rowId xmlns:a16="http://schemas.microsoft.com/office/drawing/2014/main" val="789601259"/>
+                  </a:ext>
+                </a:extLst>
+              </a:tr>
+              <a:tr h="370840">
+                <a:tc>
+                  <a:txBody>
+                    <a:bodyPr/>
+                    <a:lstStyle/>
+                    <a:p>
+                      <a:r>
+                        <a:rPr lang="en-US" dirty="0" smtClean="0"/>
+                        <a:t>5</a:t>
+                      </a:r>
+                      <a:endParaRPr lang="en-US" dirty="0"/>
+                    </a:p>
+                  </a:txBody>
+                  <a:tcPr/>
+                </a:tc>
+                <a:tc>
+                  <a:txBody>
+                    <a:bodyPr/>
+                    <a:lstStyle/>
+                    <a:p>
+                      <a:pPr marL="0" indent="0">
+                        <a:buFont typeface="Arial" panose="020B0604020202020204" pitchFamily="34" charset="0"/>
+                        <a:buNone/>
+                      </a:pPr>
+                      <a:r>
+                        <a:rPr lang="en-US" dirty="0" smtClean="0"/>
+                        <a:t>Presentation</a:t>
+                      </a:r>
+                      <a:endParaRPr lang="en-US" dirty="0"/>
+                    </a:p>
+                  </a:txBody>
+                  <a:tcPr/>
+                </a:tc>
+                <a:tc>
+                  <a:txBody>
+                    <a:bodyPr/>
+                    <a:lstStyle/>
+                    <a:p>
+                      <a:r>
+                        <a:rPr lang="en-US" dirty="0" smtClean="0"/>
+                        <a:t>15%</a:t>
+                      </a:r>
+                      <a:endParaRPr lang="en-US" dirty="0"/>
+                    </a:p>
+                  </a:txBody>
+                  <a:tcPr/>
+                </a:tc>
+                <a:extLst>
+                  <a:ext uri="{0D108BD9-81ED-4DB2-BD59-A6C34878D82A}">
+                    <a16:rowId xmlns:a16="http://schemas.microsoft.com/office/drawing/2014/main" val="2180470234"/>
+                  </a:ext>
+                </a:extLst>
+              </a:tr>
+              <a:tr h="370840">
+                <a:tc>
+                  <a:txBody>
+                    <a:bodyPr/>
+                    <a:lstStyle/>
+                    <a:p>
+                      <a:r>
+                        <a:rPr lang="en-US" dirty="0" smtClean="0"/>
+                        <a:t>6</a:t>
+                      </a:r>
+                      <a:endParaRPr lang="en-US" dirty="0"/>
+                    </a:p>
+                  </a:txBody>
+                  <a:tcPr/>
+                </a:tc>
+                <a:tc>
+                  <a:txBody>
+                    <a:bodyPr/>
+                    <a:lstStyle/>
+                    <a:p>
+                      <a:pPr marL="0" indent="0">
+                        <a:buFont typeface="Arial" panose="020B0604020202020204" pitchFamily="34" charset="0"/>
+                        <a:buNone/>
+                      </a:pPr>
+                      <a:r>
+                        <a:rPr lang="en-US" dirty="0" smtClean="0"/>
+                        <a:t>Documentation</a:t>
+                      </a:r>
+                      <a:endParaRPr lang="en-US" dirty="0"/>
+                    </a:p>
+                  </a:txBody>
+                  <a:tcPr/>
+                </a:tc>
+                <a:tc>
+                  <a:txBody>
+                    <a:bodyPr/>
+                    <a:lstStyle/>
+                    <a:p>
+                      <a:r>
+                        <a:rPr lang="en-US" dirty="0" smtClean="0"/>
+                        <a:t>15%</a:t>
+                      </a:r>
+                      <a:endParaRPr lang="en-US" dirty="0"/>
+                    </a:p>
+                  </a:txBody>
+                  <a:tcPr/>
+                </a:tc>
+                <a:extLst>
+                  <a:ext uri="{0D108BD9-81ED-4DB2-BD59-A6C34878D82A}">
+                    <a16:rowId xmlns:a16="http://schemas.microsoft.com/office/drawing/2014/main" val="3031697527"/>
+                  </a:ext>
+                </a:extLst>
+              </a:tr>
+              <a:tr h="370840">
+                <a:tc>
+                  <a:txBody>
+                    <a:bodyPr/>
+                    <a:lstStyle/>
+                    <a:p>
+                      <a:r>
+                        <a:rPr lang="en-US" dirty="0" smtClean="0"/>
+                        <a:t>7</a:t>
+                      </a:r>
+                      <a:endParaRPr lang="en-US" dirty="0"/>
+                    </a:p>
+                  </a:txBody>
+                  <a:tcPr/>
+                </a:tc>
+                <a:tc>
+                  <a:txBody>
+                    <a:bodyPr/>
+                    <a:lstStyle/>
+                    <a:p>
+                      <a:pPr marL="0" indent="0">
+                        <a:buFont typeface="Arial" panose="020B0604020202020204" pitchFamily="34" charset="0"/>
+                        <a:buNone/>
+                      </a:pPr>
+                      <a:r>
+                        <a:rPr lang="en-US" dirty="0" smtClean="0"/>
+                        <a:t>Innovation, Expertise, Work</a:t>
+                      </a:r>
+                      <a:r>
+                        <a:rPr lang="en-US" baseline="0" dirty="0" smtClean="0"/>
+                        <a:t> done</a:t>
+                      </a:r>
+                      <a:endParaRPr lang="en-US" dirty="0"/>
+                    </a:p>
+                  </a:txBody>
+                  <a:tcPr/>
+                </a:tc>
+                <a:tc>
+                  <a:txBody>
+                    <a:bodyPr/>
+                    <a:lstStyle/>
+                    <a:p>
+                      <a:r>
+                        <a:rPr lang="en-US" dirty="0" smtClean="0"/>
+                        <a:t>10%</a:t>
+                      </a:r>
+                      <a:endParaRPr lang="en-US" dirty="0"/>
+                    </a:p>
+                  </a:txBody>
+                  <a:tcPr/>
+                </a:tc>
+                <a:extLst>
+                  <a:ext uri="{0D108BD9-81ED-4DB2-BD59-A6C34878D82A}">
+                    <a16:rowId xmlns:a16="http://schemas.microsoft.com/office/drawing/2014/main" val="1667657751"/>
+                  </a:ext>
+                </a:extLst>
+              </a:tr>
+              <a:tr h="370840">
+                <a:tc>
+                  <a:txBody>
+                    <a:bodyPr/>
+                    <a:lstStyle/>
+                    <a:p>
+                      <a:endParaRPr lang="en-US" dirty="0"/>
+                    </a:p>
+                  </a:txBody>
+                  <a:tcPr/>
+                </a:tc>
+                <a:tc>
+                  <a:txBody>
+                    <a:bodyPr/>
+                    <a:lstStyle/>
+                    <a:p>
+                      <a:pPr marL="0" indent="0">
+                        <a:buFont typeface="Arial" panose="020B0604020202020204" pitchFamily="34" charset="0"/>
+                        <a:buNone/>
+                      </a:pPr>
+                      <a:endParaRPr lang="en-US" dirty="0"/>
+                    </a:p>
+                  </a:txBody>
+                  <a:tcPr/>
+                </a:tc>
+                <a:tc>
+                  <a:txBody>
+                    <a:bodyPr/>
+                    <a:lstStyle/>
+                    <a:p>
+                      <a:endParaRPr lang="en-US" dirty="0"/>
+                    </a:p>
+                  </a:txBody>
+                  <a:tcPr/>
+                </a:tc>
+                <a:extLst>
+                  <a:ext uri="{0D108BD9-81ED-4DB2-BD59-A6C34878D82A}">
+                    <a16:rowId xmlns:a16="http://schemas.microsoft.com/office/drawing/2014/main" val="4245866620"/>
+                  </a:ext>
+                </a:extLst>
+              </a:tr>
+              <a:tr h="370840">
+                <a:tc>
+                  <a:txBody>
+                    <a:bodyPr/>
+                    <a:lstStyle/>
+                    <a:p>
+                      <a:endParaRPr lang="en-US" dirty="0"/>
+                    </a:p>
+                  </a:txBody>
+                  <a:tcPr/>
+                </a:tc>
+                <a:tc>
+                  <a:txBody>
+                    <a:bodyPr/>
+                    <a:lstStyle/>
+                    <a:p>
+                      <a:pPr marL="0" indent="0">
+                        <a:buFont typeface="Arial" panose="020B0604020202020204" pitchFamily="34" charset="0"/>
+                        <a:buNone/>
+                      </a:pPr>
+                      <a:r>
+                        <a:rPr lang="en-US" dirty="0" smtClean="0"/>
+                        <a:t>Total</a:t>
+                      </a:r>
+                      <a:endParaRPr lang="en-US" dirty="0"/>
+                    </a:p>
+                  </a:txBody>
+                  <a:tcPr/>
+                </a:tc>
+                <a:tc>
+                  <a:txBody>
+                    <a:bodyPr/>
+                    <a:lstStyle/>
+                    <a:p>
+                      <a:r>
+                        <a:rPr lang="en-US" b="1" dirty="0" smtClean="0">
+                          <a:solidFill>
+                            <a:srgbClr val="FF0000"/>
+                          </a:solidFill>
+                        </a:rPr>
+                        <a:t>105</a:t>
+                      </a:r>
+                      <a:endParaRPr lang="en-US" b="1" dirty="0">
+                        <a:solidFill>
+                          <a:srgbClr val="FF0000"/>
+                        </a:solidFill>
+                      </a:endParaRPr>
+                    </a:p>
+                  </a:txBody>
+                  <a:tcPr/>
+                </a:tc>
+                <a:extLst>
+                  <a:ext uri="{0D108BD9-81ED-4DB2-BD59-A6C34878D82A}">
+                    <a16:rowId xmlns:a16="http://schemas.microsoft.com/office/drawing/2014/main" val="2275823624"/>
+                  </a:ext>
+                </a:extLst>
+              </a:tr>
+            </a:tbl>
+          </a:graphicData>
+        </a:graphic>
+      </p:graphicFrame>
+      <p:sp>
+        <p:nvSpPr>
+          <p:cNvPr id="4" name="Slide Number Placeholder 3">
+            <a:extLst>
+              <a:ext uri="{FF2B5EF4-FFF2-40B4-BE49-F238E27FC236}">
+                <a16:creationId xmlns:a16="http://schemas.microsoft.com/office/drawing/2014/main" id="{0FA5DAF8-BF85-4815-A86E-79633830CFAC}"/>
+              </a:ext>
+            </a:extLst>
+          </p:cNvPr>
+          <p:cNvSpPr>
+            <a:spLocks noGrp="1"/>
+          </p:cNvSpPr>
+          <p:nvPr>
+            <p:ph type="sldNum" sz="quarter" idx="12"/>
+          </p:nvPr>
+        </p:nvSpPr>
+        <p:spPr/>
+        <p:txBody>
+          <a:bodyPr/>
+          <a:lstStyle/>
+          <a:p>
+            <a:fld id="{CAB166B3-F268-4CEF-878A-CFB0D0D505D3}" type="slidenum">
+              <a:rPr lang="en-US" smtClean="0"/>
+              <a:t>5</a:t>
+            </a:fld>
+            <a:endParaRPr lang="en-US"/>
+          </a:p>
+        </p:txBody>
+      </p:sp>
+      <p:sp>
+        <p:nvSpPr>
+          <p:cNvPr id="3" name="TextBox 2">
+            <a:extLst>
+              <a:ext uri="{FF2B5EF4-FFF2-40B4-BE49-F238E27FC236}">
+                <a16:creationId xmlns:a16="http://schemas.microsoft.com/office/drawing/2014/main" id="{6D44E51B-0BAE-4DD6-A759-14FA544B979C}"/>
+              </a:ext>
+            </a:extLst>
+          </p:cNvPr>
+          <p:cNvSpPr txBox="1"/>
+          <p:nvPr/>
+        </p:nvSpPr>
+        <p:spPr>
+          <a:xfrm>
+            <a:off x="745435" y="5511212"/>
+            <a:ext cx="6895271" cy="584775"/>
+          </a:xfrm>
+          <a:prstGeom prst="rect">
+            <a:avLst/>
+          </a:prstGeom>
+          <a:noFill/>
+        </p:spPr>
+        <p:txBody>
+          <a:bodyPr wrap="square" rtlCol="0">
+            <a:spAutoFit/>
+          </a:bodyPr>
+          <a:lstStyle/>
+          <a:p>
+            <a:r>
+              <a:rPr lang="en-US" sz="1600" dirty="0"/>
+              <a:t>Note: </a:t>
+            </a:r>
+            <a:r>
+              <a:rPr lang="en-US" sz="1600" dirty="0" smtClean="0"/>
+              <a:t>You can score a maximum of 100 marks out of 105.  The 5 marks are bonus marks which may be gained in any section</a:t>
+            </a:r>
+            <a:endParaRPr lang="en-US" sz="1600" dirty="0"/>
+          </a:p>
+        </p:txBody>
+      </p:sp>
+    </p:spTree>
+    <p:extLst>
+      <p:ext uri="{BB962C8B-B14F-4D97-AF65-F5344CB8AC3E}">
+        <p14:creationId xmlns:p14="http://schemas.microsoft.com/office/powerpoint/2010/main" val="3652329336"/>
+      </p:ext>
+    </p:extLst>
+  </p:cSld>
+  <p:clrMapOvr>
+    <a:masterClrMapping/>
+  </p:clrMapOvr>
+</p:sld>
+</file>
+
+<file path=ppt/slides/slide6.xml><?xml version="1.0" encoding="utf-8"?>
 <p:sld xmlns:a="http://schemas.openxmlformats.org/drawingml/2006/main" xmlns:r="http://schemas.openxmlformats.org/officeDocument/2006/relationships" xmlns:p="http://schemas.openxmlformats.org/presentationml/2006/main">
   <p:cSld>
     <p:spTree>

--- a/presentations/ep1000_assessment/ep1000_assessment.pptx
+++ b/presentations/ep1000_assessment/ep1000_assessment.pptx
@@ -5,15 +5,19 @@
     <p:sldMasterId id="2147483660" r:id="rId1"/>
   </p:sldMasterIdLst>
   <p:notesMasterIdLst>
-    <p:notesMasterId r:id="rId8"/>
+    <p:notesMasterId r:id="rId12"/>
   </p:notesMasterIdLst>
   <p:sldIdLst>
     <p:sldId id="256" r:id="rId2"/>
     <p:sldId id="260" r:id="rId3"/>
     <p:sldId id="261" r:id="rId4"/>
-    <p:sldId id="262" r:id="rId5"/>
-    <p:sldId id="263" r:id="rId6"/>
-    <p:sldId id="259" r:id="rId7"/>
+    <p:sldId id="264" r:id="rId5"/>
+    <p:sldId id="265" r:id="rId6"/>
+    <p:sldId id="266" r:id="rId7"/>
+    <p:sldId id="267" r:id="rId8"/>
+    <p:sldId id="262" r:id="rId9"/>
+    <p:sldId id="263" r:id="rId10"/>
+    <p:sldId id="259" r:id="rId11"/>
   </p:sldIdLst>
   <p:sldSz cx="9144000" cy="6858000" type="screen4x3"/>
   <p:notesSz cx="6858000" cy="9144000"/>
@@ -202,7 +206,7 @@
           <a:p>
             <a:fld id="{2A875741-58CA-43A4-9946-B635E52C5CD8}" type="datetimeFigureOut">
               <a:rPr lang="en-US" smtClean="0"/>
-              <a:t>8/17/2021</a:t>
+              <a:t>11/15/2021</a:t>
             </a:fld>
             <a:endParaRPr lang="en-US"/>
           </a:p>
@@ -612,7 +616,7 @@
           <a:p>
             <a:fld id="{9665C769-D7C3-4E51-9622-EB882B1C6B88}" type="datetime1">
               <a:rPr lang="en-US" smtClean="0"/>
-              <a:t>8/17/2021</a:t>
+              <a:t>11/15/2021</a:t>
             </a:fld>
             <a:endParaRPr lang="en-US"/>
           </a:p>
@@ -806,7 +810,7 @@
           <a:p>
             <a:fld id="{AC2FA8F2-92AD-4DF3-BB80-1A576E4607C5}" type="datetime1">
               <a:rPr lang="en-US" smtClean="0"/>
-              <a:t>8/17/2021</a:t>
+              <a:t>11/15/2021</a:t>
             </a:fld>
             <a:endParaRPr lang="en-US"/>
           </a:p>
@@ -1005,7 +1009,7 @@
           <a:p>
             <a:fld id="{FF161318-0D48-4B52-BC2D-A0EA8E79725D}" type="datetime1">
               <a:rPr lang="en-US" smtClean="0"/>
-              <a:t>8/17/2021</a:t>
+              <a:t>11/15/2021</a:t>
             </a:fld>
             <a:endParaRPr lang="en-US"/>
           </a:p>
@@ -1199,7 +1203,7 @@
           <a:p>
             <a:fld id="{828929F4-2E32-48E9-8E95-ABAA8EAAF6A9}" type="datetime1">
               <a:rPr lang="en-US" smtClean="0"/>
-              <a:t>8/17/2021</a:t>
+              <a:t>11/15/2021</a:t>
             </a:fld>
             <a:endParaRPr lang="en-US"/>
           </a:p>
@@ -1462,7 +1466,7 @@
           <a:p>
             <a:fld id="{4D668969-C21F-428C-9E53-8D921FF4543A}" type="datetime1">
               <a:rPr lang="en-US" smtClean="0"/>
-              <a:t>8/17/2021</a:t>
+              <a:t>11/15/2021</a:t>
             </a:fld>
             <a:endParaRPr lang="en-US"/>
           </a:p>
@@ -1716,7 +1720,7 @@
           <a:p>
             <a:fld id="{01FB22A5-6159-4D69-BFEE-F4892803599C}" type="datetime1">
               <a:rPr lang="en-US" smtClean="0"/>
-              <a:t>8/17/2021</a:t>
+              <a:t>11/15/2021</a:t>
             </a:fld>
             <a:endParaRPr lang="en-US"/>
           </a:p>
@@ -2110,7 +2114,7 @@
           <a:p>
             <a:fld id="{738CC944-9765-440C-9A18-3DC1DA37440E}" type="datetime1">
               <a:rPr lang="en-US" smtClean="0"/>
-              <a:t>8/17/2021</a:t>
+              <a:t>11/15/2021</a:t>
             </a:fld>
             <a:endParaRPr lang="en-US"/>
           </a:p>
@@ -2244,7 +2248,7 @@
           <a:p>
             <a:fld id="{D8661C67-BB8E-4D16-A78D-460AAF94A53C}" type="datetime1">
               <a:rPr lang="en-US" smtClean="0"/>
-              <a:t>8/17/2021</a:t>
+              <a:t>11/15/2021</a:t>
             </a:fld>
             <a:endParaRPr lang="en-US"/>
           </a:p>
@@ -2355,7 +2359,7 @@
           <a:p>
             <a:fld id="{DBBC12E8-4105-456C-A90A-AF2362FB188F}" type="datetime1">
               <a:rPr lang="en-US" smtClean="0"/>
-              <a:t>8/17/2021</a:t>
+              <a:t>11/15/2021</a:t>
             </a:fld>
             <a:endParaRPr lang="en-US"/>
           </a:p>
@@ -2654,7 +2658,7 @@
           <a:p>
             <a:fld id="{11FD4DDA-56B2-4B92-884C-68E9C78E3003}" type="datetime1">
               <a:rPr lang="en-US" smtClean="0"/>
-              <a:t>8/17/2021</a:t>
+              <a:t>11/15/2021</a:t>
             </a:fld>
             <a:endParaRPr lang="en-US"/>
           </a:p>
@@ -2933,7 +2937,7 @@
           <a:p>
             <a:fld id="{750461B4-47C4-4F2C-98A2-225FD39D225C}" type="datetime1">
               <a:rPr lang="en-US" smtClean="0"/>
-              <a:t>8/17/2021</a:t>
+              <a:t>11/15/2021</a:t>
             </a:fld>
             <a:endParaRPr lang="en-US"/>
           </a:p>
@@ -3576,6 +3580,102 @@
 </p:sld>
 </file>
 
+<file path=ppt/slides/slide10.xml><?xml version="1.0" encoding="utf-8"?>
+<p:sld xmlns:a="http://schemas.openxmlformats.org/drawingml/2006/main" xmlns:r="http://schemas.openxmlformats.org/officeDocument/2006/relationships" xmlns:p="http://schemas.openxmlformats.org/presentationml/2006/main">
+  <p:cSld>
+    <p:spTree>
+      <p:nvGrpSpPr>
+        <p:cNvPr id="1" name=""/>
+        <p:cNvGrpSpPr/>
+        <p:nvPr/>
+      </p:nvGrpSpPr>
+      <p:grpSpPr>
+        <a:xfrm>
+          <a:off x="0" y="0"/>
+          <a:ext cx="0" cy="0"/>
+          <a:chOff x="0" y="0"/>
+          <a:chExt cx="0" cy="0"/>
+        </a:xfrm>
+      </p:grpSpPr>
+      <p:sp>
+        <p:nvSpPr>
+          <p:cNvPr id="2" name="Title 1">
+            <a:extLst>
+              <a:ext uri="{FF2B5EF4-FFF2-40B4-BE49-F238E27FC236}">
+                <a16:creationId xmlns:a16="http://schemas.microsoft.com/office/drawing/2014/main" id="{29757EC0-C4C7-4C21-8BBD-162462AD095F}"/>
+              </a:ext>
+            </a:extLst>
+          </p:cNvPr>
+          <p:cNvSpPr>
+            <a:spLocks noGrp="1"/>
+          </p:cNvSpPr>
+          <p:nvPr>
+            <p:ph type="ctrTitle"/>
+          </p:nvPr>
+        </p:nvSpPr>
+        <p:spPr/>
+        <p:txBody>
+          <a:bodyPr/>
+          <a:lstStyle/>
+          <a:p>
+            <a:r>
+              <a:rPr lang="en-US" dirty="0"/>
+              <a:t>EP1000</a:t>
+            </a:r>
+          </a:p>
+        </p:txBody>
+      </p:sp>
+      <p:sp>
+        <p:nvSpPr>
+          <p:cNvPr id="3" name="Subtitle 2">
+            <a:extLst>
+              <a:ext uri="{FF2B5EF4-FFF2-40B4-BE49-F238E27FC236}">
+                <a16:creationId xmlns:a16="http://schemas.microsoft.com/office/drawing/2014/main" id="{1F579C3D-8773-4BAF-B0E2-847945ECA23E}"/>
+              </a:ext>
+            </a:extLst>
+          </p:cNvPr>
+          <p:cNvSpPr>
+            <a:spLocks noGrp="1"/>
+          </p:cNvSpPr>
+          <p:nvPr>
+            <p:ph type="subTitle" idx="1"/>
+          </p:nvPr>
+        </p:nvSpPr>
+        <p:spPr/>
+        <p:txBody>
+          <a:bodyPr/>
+          <a:lstStyle/>
+          <a:p>
+            <a:r>
+              <a:rPr lang="en-US" dirty="0"/>
+              <a:t>Assessment 2021</a:t>
+            </a:r>
+          </a:p>
+          <a:p>
+            <a:r>
+              <a:rPr lang="en-US" dirty="0">
+                <a:solidFill>
+                  <a:srgbClr val="FF0000"/>
+                </a:solidFill>
+              </a:rPr>
+              <a:t>End</a:t>
+            </a:r>
+          </a:p>
+        </p:txBody>
+      </p:sp>
+    </p:spTree>
+    <p:extLst>
+      <p:ext uri="{BB962C8B-B14F-4D97-AF65-F5344CB8AC3E}">
+        <p14:creationId xmlns:p14="http://schemas.microsoft.com/office/powerpoint/2010/main" val="2293809126"/>
+      </p:ext>
+    </p:extLst>
+  </p:cSld>
+  <p:clrMapOvr>
+    <a:masterClrMapping/>
+  </p:clrMapOvr>
+</p:sld>
+</file>
+
 <file path=ppt/slides/slide2.xml><?xml version="1.0" encoding="utf-8"?>
 <p:sld xmlns:a="http://schemas.openxmlformats.org/drawingml/2006/main" xmlns:r="http://schemas.openxmlformats.org/officeDocument/2006/relationships" xmlns:p="http://schemas.openxmlformats.org/presentationml/2006/main">
   <p:cSld>
@@ -4001,7 +4101,7 @@
         <p:spPr/>
         <p:txBody>
           <a:bodyPr>
-            <a:normAutofit fontScale="90000"/>
+            <a:normAutofit/>
           </a:bodyPr>
           <a:lstStyle/>
           <a:p>
@@ -4028,14 +4128,14 @@
             <p:ph idx="1"/>
             <p:extLst>
               <p:ext uri="{D42A27DB-BD31-4B8C-83A1-F6EECF244321}">
-                <p14:modId xmlns:p14="http://schemas.microsoft.com/office/powerpoint/2010/main" val="3857037560"/>
+                <p14:modId xmlns:p14="http://schemas.microsoft.com/office/powerpoint/2010/main" val="2887441084"/>
               </p:ext>
             </p:extLst>
           </p:nvPr>
         </p:nvGraphicFramePr>
         <p:xfrm>
           <a:off x="628650" y="1798480"/>
-          <a:ext cx="7012056" cy="3708400"/>
+          <a:ext cx="7012056" cy="2595880"/>
         </p:xfrm>
         <a:graphic>
           <a:graphicData uri="http://schemas.openxmlformats.org/drawingml/2006/table">
@@ -4133,12 +4233,8 @@
                     <a:lstStyle/>
                     <a:p>
                       <a:r>
-                        <a:rPr lang="en-US" dirty="0" err="1"/>
-                        <a:t>Fablab</a:t>
-                      </a:r>
-                      <a:r>
-                        <a:rPr lang="en-US" dirty="0"/>
-                        <a:t> Safety (Pass)</a:t>
+                        <a:rPr lang="en-US" dirty="0"/>
+                        <a:t>Fablab Safety (Pass)</a:t>
                       </a:r>
                     </a:p>
                   </a:txBody>
@@ -4228,7 +4324,7 @@
                       </a:pPr>
                       <a:r>
                         <a:rPr lang="en-US" dirty="0"/>
-                        <a:t>Uses HTML &amp; CSS</a:t>
+                        <a:t>Demonstrates use of HTML &amp; CSS</a:t>
                       </a:r>
                     </a:p>
                   </a:txBody>
@@ -4275,15 +4371,7 @@
                       </a:pPr>
                       <a:r>
                         <a:rPr lang="en-US" dirty="0"/>
-                        <a:t>Implementation git/</a:t>
-                      </a:r>
-                      <a:r>
-                        <a:rPr lang="en-US" dirty="0" err="1"/>
-                        <a:t>github</a:t>
-                      </a:r>
-                      <a:r>
-                        <a:rPr lang="en-US" dirty="0"/>
-                        <a:t>/pages</a:t>
+                        <a:t>Implementation on Github using git</a:t>
                       </a:r>
                     </a:p>
                   </a:txBody>
@@ -4330,17 +4418,21 @@
                       </a:pPr>
                       <a:r>
                         <a:rPr lang="en-US" dirty="0"/>
-                        <a:t>Content</a:t>
-                      </a:r>
-                    </a:p>
-                  </a:txBody>
-                  <a:tcPr/>
-                </a:tc>
-                <a:tc>
-                  <a:txBody>
-                    <a:bodyPr/>
-                    <a:lstStyle/>
-                    <a:p>
+                        <a:t>Site Construction</a:t>
+                      </a:r>
+                    </a:p>
+                  </a:txBody>
+                  <a:tcPr/>
+                </a:tc>
+                <a:tc>
+                  <a:txBody>
+                    <a:bodyPr/>
+                    <a:lstStyle/>
+                    <a:p>
+                      <a:r>
+                        <a:rPr lang="en-SG" dirty="0"/>
+                        <a:t>20%</a:t>
+                      </a:r>
                       <a:endParaRPr lang="en-US" dirty="0"/>
                     </a:p>
                   </a:txBody>
@@ -4368,26 +4460,26 @@
                     <a:bodyPr/>
                     <a:lstStyle/>
                     <a:p>
-                      <a:pPr marL="742950" lvl="1" indent="-285750">
+                      <a:pPr marL="285750" lvl="0" indent="-285750">
                         <a:buFont typeface="Arial" panose="020B0604020202020204" pitchFamily="34" charset="0"/>
                         <a:buChar char="•"/>
                       </a:pPr>
                       <a:r>
                         <a:rPr lang="en-US" dirty="0"/>
-                        <a:t>Site Navigation</a:t>
-                      </a:r>
-                    </a:p>
-                  </a:txBody>
-                  <a:tcPr/>
-                </a:tc>
-                <a:tc>
-                  <a:txBody>
-                    <a:bodyPr/>
-                    <a:lstStyle/>
-                    <a:p>
-                      <a:r>
-                        <a:rPr lang="en-US" dirty="0"/>
-                        <a:t>10%</a:t>
+                        <a:t>Content</a:t>
+                      </a:r>
+                    </a:p>
+                  </a:txBody>
+                  <a:tcPr/>
+                </a:tc>
+                <a:tc>
+                  <a:txBody>
+                    <a:bodyPr/>
+                    <a:lstStyle/>
+                    <a:p>
+                      <a:r>
+                        <a:rPr lang="en-US" dirty="0"/>
+                        <a:t>20%</a:t>
                       </a:r>
                     </a:p>
                   </a:txBody>
@@ -4396,147 +4488,6 @@
                 <a:extLst>
                   <a:ext uri="{0D108BD9-81ED-4DB2-BD59-A6C34878D82A}">
                     <a16:rowId xmlns:a16="http://schemas.microsoft.com/office/drawing/2014/main" val="604113619"/>
-                  </a:ext>
-                </a:extLst>
-              </a:tr>
-              <a:tr h="370840">
-                <a:tc>
-                  <a:txBody>
-                    <a:bodyPr/>
-                    <a:lstStyle/>
-                    <a:p>
-                      <a:endParaRPr lang="en-US" dirty="0"/>
-                    </a:p>
-                  </a:txBody>
-                  <a:tcPr/>
-                </a:tc>
-                <a:tc>
-                  <a:txBody>
-                    <a:bodyPr/>
-                    <a:lstStyle/>
-                    <a:p>
-                      <a:pPr marL="742950" lvl="1" indent="-285750">
-                        <a:buFont typeface="Arial" panose="020B0604020202020204" pitchFamily="34" charset="0"/>
-                        <a:buChar char="•"/>
-                      </a:pPr>
-                      <a:r>
-                        <a:rPr lang="en-US" dirty="0"/>
-                        <a:t>Main (Introduction) Page</a:t>
-                      </a:r>
-                    </a:p>
-                  </a:txBody>
-                  <a:tcPr/>
-                </a:tc>
-                <a:tc>
-                  <a:txBody>
-                    <a:bodyPr/>
-                    <a:lstStyle/>
-                    <a:p>
-                      <a:r>
-                        <a:rPr lang="en-US" dirty="0"/>
-                        <a:t>10%</a:t>
-                      </a:r>
-                    </a:p>
-                  </a:txBody>
-                  <a:tcPr/>
-                </a:tc>
-                <a:extLst>
-                  <a:ext uri="{0D108BD9-81ED-4DB2-BD59-A6C34878D82A}">
-                    <a16:rowId xmlns:a16="http://schemas.microsoft.com/office/drawing/2014/main" val="1568428766"/>
-                  </a:ext>
-                </a:extLst>
-              </a:tr>
-              <a:tr h="370840">
-                <a:tc>
-                  <a:txBody>
-                    <a:bodyPr/>
-                    <a:lstStyle/>
-                    <a:p>
-                      <a:endParaRPr lang="en-US" dirty="0"/>
-                    </a:p>
-                  </a:txBody>
-                  <a:tcPr/>
-                </a:tc>
-                <a:tc>
-                  <a:txBody>
-                    <a:bodyPr/>
-                    <a:lstStyle/>
-                    <a:p>
-                      <a:pPr marL="742950" lvl="1" indent="-285750">
-                        <a:buFont typeface="Arial" panose="020B0604020202020204" pitchFamily="34" charset="0"/>
-                        <a:buChar char="•"/>
-                      </a:pPr>
-                      <a:r>
-                        <a:rPr lang="en-US" dirty="0"/>
-                        <a:t>About author page</a:t>
-                      </a:r>
-                    </a:p>
-                  </a:txBody>
-                  <a:tcPr/>
-                </a:tc>
-                <a:tc>
-                  <a:txBody>
-                    <a:bodyPr/>
-                    <a:lstStyle/>
-                    <a:p>
-                      <a:r>
-                        <a:rPr lang="en-US" dirty="0"/>
-                        <a:t>10%</a:t>
-                      </a:r>
-                    </a:p>
-                  </a:txBody>
-                  <a:tcPr/>
-                </a:tc>
-                <a:extLst>
-                  <a:ext uri="{0D108BD9-81ED-4DB2-BD59-A6C34878D82A}">
-                    <a16:rowId xmlns:a16="http://schemas.microsoft.com/office/drawing/2014/main" val="2724707199"/>
-                  </a:ext>
-                </a:extLst>
-              </a:tr>
-              <a:tr h="370840">
-                <a:tc>
-                  <a:txBody>
-                    <a:bodyPr/>
-                    <a:lstStyle/>
-                    <a:p>
-                      <a:endParaRPr lang="en-US" dirty="0"/>
-                    </a:p>
-                  </a:txBody>
-                  <a:tcPr/>
-                </a:tc>
-                <a:tc>
-                  <a:txBody>
-                    <a:bodyPr/>
-                    <a:lstStyle/>
-                    <a:p>
-                      <a:pPr marL="742950" lvl="1" indent="-285750">
-                        <a:buFont typeface="Arial" panose="020B0604020202020204" pitchFamily="34" charset="0"/>
-                        <a:buChar char="•"/>
-                      </a:pPr>
-                      <a:r>
-                        <a:rPr lang="en-US" dirty="0"/>
-                        <a:t>Weekly blog (at least 2 entries)</a:t>
-                      </a:r>
-                    </a:p>
-                  </a:txBody>
-                  <a:tcPr/>
-                </a:tc>
-                <a:tc>
-                  <a:txBody>
-                    <a:bodyPr/>
-                    <a:lstStyle/>
-                    <a:p>
-                      <a:r>
-                        <a:rPr lang="en-US" dirty="0"/>
-                        <a:t>10%</a:t>
-                      </a:r>
-                    </a:p>
-                  </a:txBody>
-                  <a:tcPr/>
-                </a:tc>
-                <a:extLst>
-                  <a:ext uri="{0D108BD9-81ED-4DB2-BD59-A6C34878D82A}">
-                    <a16:rowId xmlns:a16="http://schemas.microsoft.com/office/drawing/2014/main" val="599322582"/>
                   </a:ext>
                 </a:extLst>
               </a:tr>
@@ -4622,6 +4573,1594 @@
 </file>
 
 <file path=ppt/slides/slide4.xml><?xml version="1.0" encoding="utf-8"?>
+<p:sld xmlns:a="http://schemas.openxmlformats.org/drawingml/2006/main" xmlns:r="http://schemas.openxmlformats.org/officeDocument/2006/relationships" xmlns:p="http://schemas.openxmlformats.org/presentationml/2006/main">
+  <p:cSld>
+    <p:spTree>
+      <p:nvGrpSpPr>
+        <p:cNvPr id="1" name=""/>
+        <p:cNvGrpSpPr/>
+        <p:nvPr/>
+      </p:nvGrpSpPr>
+      <p:grpSpPr>
+        <a:xfrm>
+          <a:off x="0" y="0"/>
+          <a:ext cx="0" cy="0"/>
+          <a:chOff x="0" y="0"/>
+          <a:chExt cx="0" cy="0"/>
+        </a:xfrm>
+      </p:grpSpPr>
+      <p:sp>
+        <p:nvSpPr>
+          <p:cNvPr id="2" name="Title 1">
+            <a:extLst>
+              <a:ext uri="{FF2B5EF4-FFF2-40B4-BE49-F238E27FC236}">
+                <a16:creationId xmlns:a16="http://schemas.microsoft.com/office/drawing/2014/main" id="{F0ABA2DC-3DF6-42F2-815A-05BBEF98C052}"/>
+              </a:ext>
+            </a:extLst>
+          </p:cNvPr>
+          <p:cNvSpPr>
+            <a:spLocks noGrp="1"/>
+          </p:cNvSpPr>
+          <p:nvPr>
+            <p:ph type="title"/>
+          </p:nvPr>
+        </p:nvSpPr>
+        <p:spPr/>
+        <p:txBody>
+          <a:bodyPr>
+            <a:normAutofit/>
+          </a:bodyPr>
+          <a:lstStyle/>
+          <a:p>
+            <a:r>
+              <a:rPr lang="en-US" dirty="0"/>
+              <a:t>CA1 Documentation Site - 1</a:t>
+            </a:r>
+          </a:p>
+        </p:txBody>
+      </p:sp>
+      <p:graphicFrame>
+        <p:nvGraphicFramePr>
+          <p:cNvPr id="5" name="Table 5">
+            <a:extLst>
+              <a:ext uri="{FF2B5EF4-FFF2-40B4-BE49-F238E27FC236}">
+                <a16:creationId xmlns:a16="http://schemas.microsoft.com/office/drawing/2014/main" id="{95299431-A7BE-4399-8B5E-FE423180FD2D}"/>
+              </a:ext>
+            </a:extLst>
+          </p:cNvPr>
+          <p:cNvGraphicFramePr>
+            <a:graphicFrameLocks noGrp="1"/>
+          </p:cNvGraphicFramePr>
+          <p:nvPr>
+            <p:ph idx="1"/>
+            <p:extLst>
+              <p:ext uri="{D42A27DB-BD31-4B8C-83A1-F6EECF244321}">
+                <p14:modId xmlns:p14="http://schemas.microsoft.com/office/powerpoint/2010/main" val="2775596830"/>
+              </p:ext>
+            </p:extLst>
+          </p:nvPr>
+        </p:nvGraphicFramePr>
+        <p:xfrm>
+          <a:off x="628650" y="1798480"/>
+          <a:ext cx="7012056" cy="3576320"/>
+        </p:xfrm>
+        <a:graphic>
+          <a:graphicData uri="http://schemas.openxmlformats.org/drawingml/2006/table">
+            <a:tbl>
+              <a:tblPr firstRow="1" bandRow="1">
+                <a:tableStyleId>{93296810-A885-4BE3-A3E7-6D5BEEA58F35}</a:tableStyleId>
+              </a:tblPr>
+              <a:tblGrid>
+                <a:gridCol w="683315">
+                  <a:extLst>
+                    <a:ext uri="{9D8B030D-6E8A-4147-A177-3AD203B41FA5}">
+                      <a16:colId xmlns:a16="http://schemas.microsoft.com/office/drawing/2014/main" val="1861376879"/>
+                    </a:ext>
+                  </a:extLst>
+                </a:gridCol>
+                <a:gridCol w="4969565">
+                  <a:extLst>
+                    <a:ext uri="{9D8B030D-6E8A-4147-A177-3AD203B41FA5}">
+                      <a16:colId xmlns:a16="http://schemas.microsoft.com/office/drawing/2014/main" val="3016697099"/>
+                    </a:ext>
+                  </a:extLst>
+                </a:gridCol>
+                <a:gridCol w="1359176">
+                  <a:extLst>
+                    <a:ext uri="{9D8B030D-6E8A-4147-A177-3AD203B41FA5}">
+                      <a16:colId xmlns:a16="http://schemas.microsoft.com/office/drawing/2014/main" val="919163219"/>
+                    </a:ext>
+                  </a:extLst>
+                </a:gridCol>
+              </a:tblGrid>
+              <a:tr h="370840">
+                <a:tc>
+                  <a:txBody>
+                    <a:bodyPr/>
+                    <a:lstStyle/>
+                    <a:p>
+                      <a:r>
+                        <a:rPr lang="en-US" dirty="0" err="1"/>
+                        <a:t>SNo</a:t>
+                      </a:r>
+                      <a:endParaRPr lang="en-US" dirty="0"/>
+                    </a:p>
+                  </a:txBody>
+                  <a:tcPr/>
+                </a:tc>
+                <a:tc>
+                  <a:txBody>
+                    <a:bodyPr/>
+                    <a:lstStyle/>
+                    <a:p>
+                      <a:r>
+                        <a:rPr lang="en-US" dirty="0"/>
+                        <a:t>Description</a:t>
+                      </a:r>
+                    </a:p>
+                  </a:txBody>
+                  <a:tcPr/>
+                </a:tc>
+                <a:tc>
+                  <a:txBody>
+                    <a:bodyPr/>
+                    <a:lstStyle/>
+                    <a:p>
+                      <a:r>
+                        <a:rPr lang="en-US" dirty="0"/>
+                        <a:t>Weightage</a:t>
+                      </a:r>
+                    </a:p>
+                  </a:txBody>
+                  <a:tcPr/>
+                </a:tc>
+                <a:extLst>
+                  <a:ext uri="{0D108BD9-81ED-4DB2-BD59-A6C34878D82A}">
+                    <a16:rowId xmlns:a16="http://schemas.microsoft.com/office/drawing/2014/main" val="3295945985"/>
+                  </a:ext>
+                </a:extLst>
+              </a:tr>
+              <a:tr h="370840">
+                <a:tc>
+                  <a:txBody>
+                    <a:bodyPr/>
+                    <a:lstStyle/>
+                    <a:p>
+                      <a:r>
+                        <a:rPr lang="en-US" dirty="0"/>
+                        <a:t>2a</a:t>
+                      </a:r>
+                    </a:p>
+                  </a:txBody>
+                  <a:tcPr/>
+                </a:tc>
+                <a:tc>
+                  <a:txBody>
+                    <a:bodyPr/>
+                    <a:lstStyle/>
+                    <a:p>
+                      <a:r>
+                        <a:rPr lang="en-US" dirty="0"/>
+                        <a:t>Demonstrates use of HTML &amp; CSS</a:t>
+                      </a:r>
+                    </a:p>
+                  </a:txBody>
+                  <a:tcPr/>
+                </a:tc>
+                <a:tc>
+                  <a:txBody>
+                    <a:bodyPr/>
+                    <a:lstStyle/>
+                    <a:p>
+                      <a:r>
+                        <a:rPr lang="en-SG" dirty="0"/>
+                        <a:t>20%</a:t>
+                      </a:r>
+                      <a:endParaRPr lang="en-US" dirty="0"/>
+                    </a:p>
+                  </a:txBody>
+                  <a:tcPr/>
+                </a:tc>
+                <a:extLst>
+                  <a:ext uri="{0D108BD9-81ED-4DB2-BD59-A6C34878D82A}">
+                    <a16:rowId xmlns:a16="http://schemas.microsoft.com/office/drawing/2014/main" val="3431427688"/>
+                  </a:ext>
+                </a:extLst>
+              </a:tr>
+              <a:tr h="370840">
+                <a:tc>
+                  <a:txBody>
+                    <a:bodyPr/>
+                    <a:lstStyle/>
+                    <a:p>
+                      <a:endParaRPr lang="en-US" dirty="0"/>
+                    </a:p>
+                  </a:txBody>
+                  <a:tcPr/>
+                </a:tc>
+                <a:tc>
+                  <a:txBody>
+                    <a:bodyPr/>
+                    <a:lstStyle/>
+                    <a:p>
+                      <a:pPr marL="285750" indent="-285750">
+                        <a:buFont typeface="Arial" panose="020B0604020202020204" pitchFamily="34" charset="0"/>
+                        <a:buChar char="•"/>
+                      </a:pPr>
+                      <a:r>
+                        <a:rPr lang="en-SG" dirty="0"/>
+                        <a:t>Site implemented with JW template with modifications, or</a:t>
+                      </a:r>
+                    </a:p>
+                    <a:p>
+                      <a:pPr marL="285750" indent="-285750">
+                        <a:buFont typeface="Arial" panose="020B0604020202020204" pitchFamily="34" charset="0"/>
+                        <a:buChar char="•"/>
+                      </a:pPr>
+                      <a:r>
+                        <a:rPr lang="en-SG" dirty="0"/>
+                        <a:t>Demonstrates implementation of a “sample” site using JW’s template</a:t>
+                      </a:r>
+                    </a:p>
+                    <a:p>
+                      <a:pPr marL="742950" lvl="1" indent="-285750">
+                        <a:buFont typeface="Arial" panose="020B0604020202020204" pitchFamily="34" charset="0"/>
+                        <a:buChar char="•"/>
+                      </a:pPr>
+                      <a:r>
+                        <a:rPr lang="en-US" dirty="0"/>
+                        <a:t>Size modified to 1024 width</a:t>
+                      </a:r>
+                    </a:p>
+                    <a:p>
+                      <a:pPr marL="742950" lvl="1" indent="-285750">
+                        <a:buFont typeface="Arial" panose="020B0604020202020204" pitchFamily="34" charset="0"/>
+                        <a:buChar char="•"/>
+                      </a:pPr>
+                      <a:r>
+                        <a:rPr lang="en-US" dirty="0"/>
+                        <a:t>Changes in navigation bar</a:t>
+                      </a:r>
+                    </a:p>
+                    <a:p>
+                      <a:pPr marL="742950" lvl="1" indent="-285750">
+                        <a:buFont typeface="Arial" panose="020B0604020202020204" pitchFamily="34" charset="0"/>
+                        <a:buChar char="•"/>
+                      </a:pPr>
+                      <a:r>
+                        <a:rPr lang="en-US" dirty="0"/>
+                        <a:t>Main, About, Content pages with Navigation</a:t>
+                      </a:r>
+                    </a:p>
+                    <a:p>
+                      <a:pPr marL="742950" lvl="1" indent="-285750">
+                        <a:buFont typeface="Arial" panose="020B0604020202020204" pitchFamily="34" charset="0"/>
+                        <a:buChar char="•"/>
+                      </a:pPr>
+                      <a:r>
+                        <a:rPr lang="en-US" dirty="0"/>
+                        <a:t>Site structured into folders (e.g. images, projects)</a:t>
+                      </a:r>
+                    </a:p>
+                  </a:txBody>
+                  <a:tcPr/>
+                </a:tc>
+                <a:tc>
+                  <a:txBody>
+                    <a:bodyPr/>
+                    <a:lstStyle/>
+                    <a:p>
+                      <a:endParaRPr lang="en-US" dirty="0"/>
+                    </a:p>
+                  </a:txBody>
+                  <a:tcPr/>
+                </a:tc>
+                <a:extLst>
+                  <a:ext uri="{0D108BD9-81ED-4DB2-BD59-A6C34878D82A}">
+                    <a16:rowId xmlns:a16="http://schemas.microsoft.com/office/drawing/2014/main" val="108414519"/>
+                  </a:ext>
+                </a:extLst>
+              </a:tr>
+            </a:tbl>
+          </a:graphicData>
+        </a:graphic>
+      </p:graphicFrame>
+      <p:sp>
+        <p:nvSpPr>
+          <p:cNvPr id="4" name="Slide Number Placeholder 3">
+            <a:extLst>
+              <a:ext uri="{FF2B5EF4-FFF2-40B4-BE49-F238E27FC236}">
+                <a16:creationId xmlns:a16="http://schemas.microsoft.com/office/drawing/2014/main" id="{0FA5DAF8-BF85-4815-A86E-79633830CFAC}"/>
+              </a:ext>
+            </a:extLst>
+          </p:cNvPr>
+          <p:cNvSpPr>
+            <a:spLocks noGrp="1"/>
+          </p:cNvSpPr>
+          <p:nvPr>
+            <p:ph type="sldNum" sz="quarter" idx="12"/>
+          </p:nvPr>
+        </p:nvSpPr>
+        <p:spPr/>
+        <p:txBody>
+          <a:bodyPr/>
+          <a:lstStyle/>
+          <a:p>
+            <a:fld id="{CAB166B3-F268-4CEF-878A-CFB0D0D505D3}" type="slidenum">
+              <a:rPr lang="en-US" smtClean="0"/>
+              <a:t>4</a:t>
+            </a:fld>
+            <a:endParaRPr lang="en-US"/>
+          </a:p>
+        </p:txBody>
+      </p:sp>
+      <p:sp>
+        <p:nvSpPr>
+          <p:cNvPr id="3" name="TextBox 2">
+            <a:extLst>
+              <a:ext uri="{FF2B5EF4-FFF2-40B4-BE49-F238E27FC236}">
+                <a16:creationId xmlns:a16="http://schemas.microsoft.com/office/drawing/2014/main" id="{6D44E51B-0BAE-4DD6-A759-14FA544B979C}"/>
+              </a:ext>
+            </a:extLst>
+          </p:cNvPr>
+          <p:cNvSpPr txBox="1"/>
+          <p:nvPr/>
+        </p:nvSpPr>
+        <p:spPr>
+          <a:xfrm>
+            <a:off x="591379" y="5573188"/>
+            <a:ext cx="6895271" cy="584775"/>
+          </a:xfrm>
+          <a:prstGeom prst="rect">
+            <a:avLst/>
+          </a:prstGeom>
+          <a:noFill/>
+        </p:spPr>
+        <p:txBody>
+          <a:bodyPr wrap="square" rtlCol="0">
+            <a:spAutoFit/>
+          </a:bodyPr>
+          <a:lstStyle/>
+          <a:p>
+            <a:r>
+              <a:rPr lang="en-US" sz="1600" dirty="0"/>
+              <a:t>Note: Each content is marked based on relevant material and clarity.  Only a very small percentage is awarded to aesthetics.</a:t>
+            </a:r>
+          </a:p>
+        </p:txBody>
+      </p:sp>
+    </p:spTree>
+    <p:extLst>
+      <p:ext uri="{BB962C8B-B14F-4D97-AF65-F5344CB8AC3E}">
+        <p14:creationId xmlns:p14="http://schemas.microsoft.com/office/powerpoint/2010/main" val="7812296"/>
+      </p:ext>
+    </p:extLst>
+  </p:cSld>
+  <p:clrMapOvr>
+    <a:masterClrMapping/>
+  </p:clrMapOvr>
+</p:sld>
+</file>
+
+<file path=ppt/slides/slide5.xml><?xml version="1.0" encoding="utf-8"?>
+<p:sld xmlns:a="http://schemas.openxmlformats.org/drawingml/2006/main" xmlns:r="http://schemas.openxmlformats.org/officeDocument/2006/relationships" xmlns:p="http://schemas.openxmlformats.org/presentationml/2006/main">
+  <p:cSld>
+    <p:spTree>
+      <p:nvGrpSpPr>
+        <p:cNvPr id="1" name=""/>
+        <p:cNvGrpSpPr/>
+        <p:nvPr/>
+      </p:nvGrpSpPr>
+      <p:grpSpPr>
+        <a:xfrm>
+          <a:off x="0" y="0"/>
+          <a:ext cx="0" cy="0"/>
+          <a:chOff x="0" y="0"/>
+          <a:chExt cx="0" cy="0"/>
+        </a:xfrm>
+      </p:grpSpPr>
+      <p:sp>
+        <p:nvSpPr>
+          <p:cNvPr id="2" name="Title 1">
+            <a:extLst>
+              <a:ext uri="{FF2B5EF4-FFF2-40B4-BE49-F238E27FC236}">
+                <a16:creationId xmlns:a16="http://schemas.microsoft.com/office/drawing/2014/main" id="{F0ABA2DC-3DF6-42F2-815A-05BBEF98C052}"/>
+              </a:ext>
+            </a:extLst>
+          </p:cNvPr>
+          <p:cNvSpPr>
+            <a:spLocks noGrp="1"/>
+          </p:cNvSpPr>
+          <p:nvPr>
+            <p:ph type="title"/>
+          </p:nvPr>
+        </p:nvSpPr>
+        <p:spPr/>
+        <p:txBody>
+          <a:bodyPr>
+            <a:normAutofit/>
+          </a:bodyPr>
+          <a:lstStyle/>
+          <a:p>
+            <a:r>
+              <a:rPr lang="en-US" dirty="0"/>
+              <a:t>CA1 Documentation Site-2</a:t>
+            </a:r>
+          </a:p>
+        </p:txBody>
+      </p:sp>
+      <p:graphicFrame>
+        <p:nvGraphicFramePr>
+          <p:cNvPr id="5" name="Table 5">
+            <a:extLst>
+              <a:ext uri="{FF2B5EF4-FFF2-40B4-BE49-F238E27FC236}">
+                <a16:creationId xmlns:a16="http://schemas.microsoft.com/office/drawing/2014/main" id="{95299431-A7BE-4399-8B5E-FE423180FD2D}"/>
+              </a:ext>
+            </a:extLst>
+          </p:cNvPr>
+          <p:cNvGraphicFramePr>
+            <a:graphicFrameLocks noGrp="1"/>
+          </p:cNvGraphicFramePr>
+          <p:nvPr>
+            <p:ph idx="1"/>
+            <p:extLst>
+              <p:ext uri="{D42A27DB-BD31-4B8C-83A1-F6EECF244321}">
+                <p14:modId xmlns:p14="http://schemas.microsoft.com/office/powerpoint/2010/main" val="1066293370"/>
+              </p:ext>
+            </p:extLst>
+          </p:nvPr>
+        </p:nvGraphicFramePr>
+        <p:xfrm>
+          <a:off x="628650" y="1798480"/>
+          <a:ext cx="7012056" cy="2204720"/>
+        </p:xfrm>
+        <a:graphic>
+          <a:graphicData uri="http://schemas.openxmlformats.org/drawingml/2006/table">
+            <a:tbl>
+              <a:tblPr firstRow="1" bandRow="1">
+                <a:tableStyleId>{93296810-A885-4BE3-A3E7-6D5BEEA58F35}</a:tableStyleId>
+              </a:tblPr>
+              <a:tblGrid>
+                <a:gridCol w="683315">
+                  <a:extLst>
+                    <a:ext uri="{9D8B030D-6E8A-4147-A177-3AD203B41FA5}">
+                      <a16:colId xmlns:a16="http://schemas.microsoft.com/office/drawing/2014/main" val="1861376879"/>
+                    </a:ext>
+                  </a:extLst>
+                </a:gridCol>
+                <a:gridCol w="4969565">
+                  <a:extLst>
+                    <a:ext uri="{9D8B030D-6E8A-4147-A177-3AD203B41FA5}">
+                      <a16:colId xmlns:a16="http://schemas.microsoft.com/office/drawing/2014/main" val="3016697099"/>
+                    </a:ext>
+                  </a:extLst>
+                </a:gridCol>
+                <a:gridCol w="1359176">
+                  <a:extLst>
+                    <a:ext uri="{9D8B030D-6E8A-4147-A177-3AD203B41FA5}">
+                      <a16:colId xmlns:a16="http://schemas.microsoft.com/office/drawing/2014/main" val="919163219"/>
+                    </a:ext>
+                  </a:extLst>
+                </a:gridCol>
+              </a:tblGrid>
+              <a:tr h="370840">
+                <a:tc>
+                  <a:txBody>
+                    <a:bodyPr/>
+                    <a:lstStyle/>
+                    <a:p>
+                      <a:r>
+                        <a:rPr lang="en-US" dirty="0" err="1"/>
+                        <a:t>SNo</a:t>
+                      </a:r>
+                      <a:endParaRPr lang="en-US" dirty="0"/>
+                    </a:p>
+                  </a:txBody>
+                  <a:tcPr/>
+                </a:tc>
+                <a:tc>
+                  <a:txBody>
+                    <a:bodyPr/>
+                    <a:lstStyle/>
+                    <a:p>
+                      <a:r>
+                        <a:rPr lang="en-US" dirty="0"/>
+                        <a:t>Description</a:t>
+                      </a:r>
+                    </a:p>
+                  </a:txBody>
+                  <a:tcPr/>
+                </a:tc>
+                <a:tc>
+                  <a:txBody>
+                    <a:bodyPr/>
+                    <a:lstStyle/>
+                    <a:p>
+                      <a:r>
+                        <a:rPr lang="en-US" dirty="0"/>
+                        <a:t>Weightage</a:t>
+                      </a:r>
+                    </a:p>
+                  </a:txBody>
+                  <a:tcPr/>
+                </a:tc>
+                <a:extLst>
+                  <a:ext uri="{0D108BD9-81ED-4DB2-BD59-A6C34878D82A}">
+                    <a16:rowId xmlns:a16="http://schemas.microsoft.com/office/drawing/2014/main" val="3295945985"/>
+                  </a:ext>
+                </a:extLst>
+              </a:tr>
+              <a:tr h="370840">
+                <a:tc>
+                  <a:txBody>
+                    <a:bodyPr/>
+                    <a:lstStyle/>
+                    <a:p>
+                      <a:r>
+                        <a:rPr lang="en-US" dirty="0"/>
+                        <a:t>2b</a:t>
+                      </a:r>
+                    </a:p>
+                  </a:txBody>
+                  <a:tcPr/>
+                </a:tc>
+                <a:tc>
+                  <a:txBody>
+                    <a:bodyPr/>
+                    <a:lstStyle/>
+                    <a:p>
+                      <a:r>
+                        <a:rPr lang="en-US" dirty="0"/>
+                        <a:t>Implementation on Github using git</a:t>
+                      </a:r>
+                    </a:p>
+                  </a:txBody>
+                  <a:tcPr/>
+                </a:tc>
+                <a:tc>
+                  <a:txBody>
+                    <a:bodyPr/>
+                    <a:lstStyle/>
+                    <a:p>
+                      <a:r>
+                        <a:rPr lang="en-SG" dirty="0"/>
+                        <a:t>20%</a:t>
+                      </a:r>
+                      <a:endParaRPr lang="en-US" dirty="0"/>
+                    </a:p>
+                  </a:txBody>
+                  <a:tcPr/>
+                </a:tc>
+                <a:extLst>
+                  <a:ext uri="{0D108BD9-81ED-4DB2-BD59-A6C34878D82A}">
+                    <a16:rowId xmlns:a16="http://schemas.microsoft.com/office/drawing/2014/main" val="3431427688"/>
+                  </a:ext>
+                </a:extLst>
+              </a:tr>
+              <a:tr h="370840">
+                <a:tc>
+                  <a:txBody>
+                    <a:bodyPr/>
+                    <a:lstStyle/>
+                    <a:p>
+                      <a:endParaRPr lang="en-US" dirty="0"/>
+                    </a:p>
+                  </a:txBody>
+                  <a:tcPr/>
+                </a:tc>
+                <a:tc>
+                  <a:txBody>
+                    <a:bodyPr/>
+                    <a:lstStyle/>
+                    <a:p>
+                      <a:pPr marL="285750" indent="-285750">
+                        <a:buFont typeface="Arial" panose="020B0604020202020204" pitchFamily="34" charset="0"/>
+                        <a:buChar char="•"/>
+                      </a:pPr>
+                      <a:r>
+                        <a:rPr lang="en-SG" dirty="0"/>
+                        <a:t>Site repository: EP1000</a:t>
+                      </a:r>
+                    </a:p>
+                    <a:p>
+                      <a:pPr marL="285750" indent="-285750">
+                        <a:buFont typeface="Arial" panose="020B0604020202020204" pitchFamily="34" charset="0"/>
+                        <a:buChar char="•"/>
+                      </a:pPr>
+                      <a:r>
+                        <a:rPr lang="en-SG" dirty="0"/>
+                        <a:t>Site can be displayed using Github pages</a:t>
+                      </a:r>
+                    </a:p>
+                    <a:p>
+                      <a:pPr marL="285750" lvl="0" indent="-285750">
+                        <a:buFont typeface="Arial" panose="020B0604020202020204" pitchFamily="34" charset="0"/>
+                        <a:buChar char="•"/>
+                      </a:pPr>
+                      <a:r>
+                        <a:rPr lang="en-US" dirty="0"/>
+                        <a:t>Demonstrates the use of git to maintain project versioning</a:t>
+                      </a:r>
+                    </a:p>
+                    <a:p>
+                      <a:pPr marL="285750" lvl="0" indent="-285750">
+                        <a:buFont typeface="Arial" panose="020B0604020202020204" pitchFamily="34" charset="0"/>
+                        <a:buChar char="•"/>
+                      </a:pPr>
+                      <a:r>
+                        <a:rPr lang="en-US" dirty="0"/>
+                        <a:t>Submission of site URL</a:t>
+                      </a:r>
+                    </a:p>
+                  </a:txBody>
+                  <a:tcPr/>
+                </a:tc>
+                <a:tc>
+                  <a:txBody>
+                    <a:bodyPr/>
+                    <a:lstStyle/>
+                    <a:p>
+                      <a:endParaRPr lang="en-US" dirty="0"/>
+                    </a:p>
+                  </a:txBody>
+                  <a:tcPr/>
+                </a:tc>
+                <a:extLst>
+                  <a:ext uri="{0D108BD9-81ED-4DB2-BD59-A6C34878D82A}">
+                    <a16:rowId xmlns:a16="http://schemas.microsoft.com/office/drawing/2014/main" val="108414519"/>
+                  </a:ext>
+                </a:extLst>
+              </a:tr>
+            </a:tbl>
+          </a:graphicData>
+        </a:graphic>
+      </p:graphicFrame>
+      <p:sp>
+        <p:nvSpPr>
+          <p:cNvPr id="4" name="Slide Number Placeholder 3">
+            <a:extLst>
+              <a:ext uri="{FF2B5EF4-FFF2-40B4-BE49-F238E27FC236}">
+                <a16:creationId xmlns:a16="http://schemas.microsoft.com/office/drawing/2014/main" id="{0FA5DAF8-BF85-4815-A86E-79633830CFAC}"/>
+              </a:ext>
+            </a:extLst>
+          </p:cNvPr>
+          <p:cNvSpPr>
+            <a:spLocks noGrp="1"/>
+          </p:cNvSpPr>
+          <p:nvPr>
+            <p:ph type="sldNum" sz="quarter" idx="12"/>
+          </p:nvPr>
+        </p:nvSpPr>
+        <p:spPr/>
+        <p:txBody>
+          <a:bodyPr/>
+          <a:lstStyle/>
+          <a:p>
+            <a:fld id="{CAB166B3-F268-4CEF-878A-CFB0D0D505D3}" type="slidenum">
+              <a:rPr lang="en-US" smtClean="0"/>
+              <a:t>5</a:t>
+            </a:fld>
+            <a:endParaRPr lang="en-US"/>
+          </a:p>
+        </p:txBody>
+      </p:sp>
+    </p:spTree>
+    <p:extLst>
+      <p:ext uri="{BB962C8B-B14F-4D97-AF65-F5344CB8AC3E}">
+        <p14:creationId xmlns:p14="http://schemas.microsoft.com/office/powerpoint/2010/main" val="3621289584"/>
+      </p:ext>
+    </p:extLst>
+  </p:cSld>
+  <p:clrMapOvr>
+    <a:masterClrMapping/>
+  </p:clrMapOvr>
+</p:sld>
+</file>
+
+<file path=ppt/slides/slide6.xml><?xml version="1.0" encoding="utf-8"?>
+<p:sld xmlns:a="http://schemas.openxmlformats.org/drawingml/2006/main" xmlns:r="http://schemas.openxmlformats.org/officeDocument/2006/relationships" xmlns:p="http://schemas.openxmlformats.org/presentationml/2006/main">
+  <p:cSld>
+    <p:spTree>
+      <p:nvGrpSpPr>
+        <p:cNvPr id="1" name=""/>
+        <p:cNvGrpSpPr/>
+        <p:nvPr/>
+      </p:nvGrpSpPr>
+      <p:grpSpPr>
+        <a:xfrm>
+          <a:off x="0" y="0"/>
+          <a:ext cx="0" cy="0"/>
+          <a:chOff x="0" y="0"/>
+          <a:chExt cx="0" cy="0"/>
+        </a:xfrm>
+      </p:grpSpPr>
+      <p:sp>
+        <p:nvSpPr>
+          <p:cNvPr id="2" name="Title 1">
+            <a:extLst>
+              <a:ext uri="{FF2B5EF4-FFF2-40B4-BE49-F238E27FC236}">
+                <a16:creationId xmlns:a16="http://schemas.microsoft.com/office/drawing/2014/main" id="{F0ABA2DC-3DF6-42F2-815A-05BBEF98C052}"/>
+              </a:ext>
+            </a:extLst>
+          </p:cNvPr>
+          <p:cNvSpPr>
+            <a:spLocks noGrp="1"/>
+          </p:cNvSpPr>
+          <p:nvPr>
+            <p:ph type="title"/>
+          </p:nvPr>
+        </p:nvSpPr>
+        <p:spPr/>
+        <p:txBody>
+          <a:bodyPr>
+            <a:normAutofit/>
+          </a:bodyPr>
+          <a:lstStyle/>
+          <a:p>
+            <a:r>
+              <a:rPr lang="en-US" dirty="0"/>
+              <a:t>CA1 Documentation Site - 3</a:t>
+            </a:r>
+          </a:p>
+        </p:txBody>
+      </p:sp>
+      <p:graphicFrame>
+        <p:nvGraphicFramePr>
+          <p:cNvPr id="5" name="Table 5">
+            <a:extLst>
+              <a:ext uri="{FF2B5EF4-FFF2-40B4-BE49-F238E27FC236}">
+                <a16:creationId xmlns:a16="http://schemas.microsoft.com/office/drawing/2014/main" id="{95299431-A7BE-4399-8B5E-FE423180FD2D}"/>
+              </a:ext>
+            </a:extLst>
+          </p:cNvPr>
+          <p:cNvGraphicFramePr>
+            <a:graphicFrameLocks noGrp="1"/>
+          </p:cNvGraphicFramePr>
+          <p:nvPr>
+            <p:ph idx="1"/>
+            <p:extLst>
+              <p:ext uri="{D42A27DB-BD31-4B8C-83A1-F6EECF244321}">
+                <p14:modId xmlns:p14="http://schemas.microsoft.com/office/powerpoint/2010/main" val="3871868142"/>
+              </p:ext>
+            </p:extLst>
+          </p:nvPr>
+        </p:nvGraphicFramePr>
+        <p:xfrm>
+          <a:off x="628650" y="1685590"/>
+          <a:ext cx="7012056" cy="3759200"/>
+        </p:xfrm>
+        <a:graphic>
+          <a:graphicData uri="http://schemas.openxmlformats.org/drawingml/2006/table">
+            <a:tbl>
+              <a:tblPr firstRow="1" bandRow="1">
+                <a:tableStyleId>{93296810-A885-4BE3-A3E7-6D5BEEA58F35}</a:tableStyleId>
+              </a:tblPr>
+              <a:tblGrid>
+                <a:gridCol w="683315">
+                  <a:extLst>
+                    <a:ext uri="{9D8B030D-6E8A-4147-A177-3AD203B41FA5}">
+                      <a16:colId xmlns:a16="http://schemas.microsoft.com/office/drawing/2014/main" val="1861376879"/>
+                    </a:ext>
+                  </a:extLst>
+                </a:gridCol>
+                <a:gridCol w="4969565">
+                  <a:extLst>
+                    <a:ext uri="{9D8B030D-6E8A-4147-A177-3AD203B41FA5}">
+                      <a16:colId xmlns:a16="http://schemas.microsoft.com/office/drawing/2014/main" val="3016697099"/>
+                    </a:ext>
+                  </a:extLst>
+                </a:gridCol>
+                <a:gridCol w="1359176">
+                  <a:extLst>
+                    <a:ext uri="{9D8B030D-6E8A-4147-A177-3AD203B41FA5}">
+                      <a16:colId xmlns:a16="http://schemas.microsoft.com/office/drawing/2014/main" val="919163219"/>
+                    </a:ext>
+                  </a:extLst>
+                </a:gridCol>
+              </a:tblGrid>
+              <a:tr h="370840">
+                <a:tc>
+                  <a:txBody>
+                    <a:bodyPr/>
+                    <a:lstStyle/>
+                    <a:p>
+                      <a:r>
+                        <a:rPr lang="en-US" dirty="0" err="1"/>
+                        <a:t>SNo</a:t>
+                      </a:r>
+                      <a:endParaRPr lang="en-US" dirty="0"/>
+                    </a:p>
+                  </a:txBody>
+                  <a:tcPr/>
+                </a:tc>
+                <a:tc>
+                  <a:txBody>
+                    <a:bodyPr/>
+                    <a:lstStyle/>
+                    <a:p>
+                      <a:r>
+                        <a:rPr lang="en-US" dirty="0"/>
+                        <a:t>Description</a:t>
+                      </a:r>
+                    </a:p>
+                  </a:txBody>
+                  <a:tcPr/>
+                </a:tc>
+                <a:tc>
+                  <a:txBody>
+                    <a:bodyPr/>
+                    <a:lstStyle/>
+                    <a:p>
+                      <a:r>
+                        <a:rPr lang="en-US" dirty="0"/>
+                        <a:t>Weightage</a:t>
+                      </a:r>
+                    </a:p>
+                  </a:txBody>
+                  <a:tcPr/>
+                </a:tc>
+                <a:extLst>
+                  <a:ext uri="{0D108BD9-81ED-4DB2-BD59-A6C34878D82A}">
+                    <a16:rowId xmlns:a16="http://schemas.microsoft.com/office/drawing/2014/main" val="3295945985"/>
+                  </a:ext>
+                </a:extLst>
+              </a:tr>
+              <a:tr h="370840">
+                <a:tc>
+                  <a:txBody>
+                    <a:bodyPr/>
+                    <a:lstStyle/>
+                    <a:p>
+                      <a:r>
+                        <a:rPr lang="en-US" dirty="0"/>
+                        <a:t>2c</a:t>
+                      </a:r>
+                    </a:p>
+                  </a:txBody>
+                  <a:tcPr/>
+                </a:tc>
+                <a:tc>
+                  <a:txBody>
+                    <a:bodyPr/>
+                    <a:lstStyle/>
+                    <a:p>
+                      <a:r>
+                        <a:rPr lang="en-US" dirty="0"/>
+                        <a:t>Site construction</a:t>
+                      </a:r>
+                    </a:p>
+                  </a:txBody>
+                  <a:tcPr/>
+                </a:tc>
+                <a:tc>
+                  <a:txBody>
+                    <a:bodyPr/>
+                    <a:lstStyle/>
+                    <a:p>
+                      <a:r>
+                        <a:rPr lang="en-SG" dirty="0"/>
+                        <a:t>20%</a:t>
+                      </a:r>
+                      <a:endParaRPr lang="en-US" dirty="0"/>
+                    </a:p>
+                  </a:txBody>
+                  <a:tcPr/>
+                </a:tc>
+                <a:extLst>
+                  <a:ext uri="{0D108BD9-81ED-4DB2-BD59-A6C34878D82A}">
+                    <a16:rowId xmlns:a16="http://schemas.microsoft.com/office/drawing/2014/main" val="3431427688"/>
+                  </a:ext>
+                </a:extLst>
+              </a:tr>
+              <a:tr h="370840">
+                <a:tc>
+                  <a:txBody>
+                    <a:bodyPr/>
+                    <a:lstStyle/>
+                    <a:p>
+                      <a:endParaRPr lang="en-US" dirty="0"/>
+                    </a:p>
+                  </a:txBody>
+                  <a:tcPr/>
+                </a:tc>
+                <a:tc>
+                  <a:txBody>
+                    <a:bodyPr/>
+                    <a:lstStyle/>
+                    <a:p>
+                      <a:pPr marL="285750" indent="-285750">
+                        <a:buFont typeface="Arial" panose="020B0604020202020204" pitchFamily="34" charset="0"/>
+                        <a:buChar char="•"/>
+                      </a:pPr>
+                      <a:r>
+                        <a:rPr lang="en-SG" dirty="0"/>
+                        <a:t>Site must be structured into folders (e.g. images, projects)</a:t>
+                      </a:r>
+                      <a:endParaRPr lang="en-US" dirty="0"/>
+                    </a:p>
+                  </a:txBody>
+                  <a:tcPr/>
+                </a:tc>
+                <a:tc>
+                  <a:txBody>
+                    <a:bodyPr/>
+                    <a:lstStyle/>
+                    <a:p>
+                      <a:endParaRPr lang="en-US" dirty="0"/>
+                    </a:p>
+                  </a:txBody>
+                  <a:tcPr/>
+                </a:tc>
+                <a:extLst>
+                  <a:ext uri="{0D108BD9-81ED-4DB2-BD59-A6C34878D82A}">
+                    <a16:rowId xmlns:a16="http://schemas.microsoft.com/office/drawing/2014/main" val="108414519"/>
+                  </a:ext>
+                </a:extLst>
+              </a:tr>
+              <a:tr h="370840">
+                <a:tc>
+                  <a:txBody>
+                    <a:bodyPr/>
+                    <a:lstStyle/>
+                    <a:p>
+                      <a:endParaRPr lang="en-US" dirty="0"/>
+                    </a:p>
+                  </a:txBody>
+                  <a:tcPr/>
+                </a:tc>
+                <a:tc>
+                  <a:txBody>
+                    <a:bodyPr/>
+                    <a:lstStyle/>
+                    <a:p>
+                      <a:pPr marL="285750" indent="-285750">
+                        <a:buFont typeface="Arial" panose="020B0604020202020204" pitchFamily="34" charset="0"/>
+                        <a:buChar char="•"/>
+                      </a:pPr>
+                      <a:r>
+                        <a:rPr lang="en-SG" dirty="0"/>
+                        <a:t>M</a:t>
+                      </a:r>
+                      <a:r>
+                        <a:rPr lang="en-US" dirty="0" err="1"/>
+                        <a:t>ust</a:t>
+                      </a:r>
+                      <a:r>
+                        <a:rPr lang="en-US" dirty="0"/>
+                        <a:t> be able to navigate to Main, About, Project, Final project pages</a:t>
+                      </a:r>
+                    </a:p>
+                  </a:txBody>
+                  <a:tcPr/>
+                </a:tc>
+                <a:tc>
+                  <a:txBody>
+                    <a:bodyPr/>
+                    <a:lstStyle/>
+                    <a:p>
+                      <a:endParaRPr lang="en-US" dirty="0"/>
+                    </a:p>
+                  </a:txBody>
+                  <a:tcPr/>
+                </a:tc>
+                <a:extLst>
+                  <a:ext uri="{0D108BD9-81ED-4DB2-BD59-A6C34878D82A}">
+                    <a16:rowId xmlns:a16="http://schemas.microsoft.com/office/drawing/2014/main" val="1175284905"/>
+                  </a:ext>
+                </a:extLst>
+              </a:tr>
+              <a:tr h="370840">
+                <a:tc>
+                  <a:txBody>
+                    <a:bodyPr/>
+                    <a:lstStyle/>
+                    <a:p>
+                      <a:endParaRPr lang="en-US" dirty="0"/>
+                    </a:p>
+                  </a:txBody>
+                  <a:tcPr/>
+                </a:tc>
+                <a:tc>
+                  <a:txBody>
+                    <a:bodyPr/>
+                    <a:lstStyle/>
+                    <a:p>
+                      <a:pPr marL="285750" indent="-285750">
+                        <a:buFont typeface="Arial" panose="020B0604020202020204" pitchFamily="34" charset="0"/>
+                        <a:buChar char="•"/>
+                      </a:pPr>
+                      <a:r>
+                        <a:rPr lang="en-US" dirty="0"/>
+                        <a:t>Relevant material on Main, About, Project, Final project pages e.g.</a:t>
+                      </a:r>
+                    </a:p>
+                    <a:p>
+                      <a:pPr marL="742950" lvl="1" indent="-285750">
+                        <a:buFont typeface="Arial" panose="020B0604020202020204" pitchFamily="34" charset="0"/>
+                        <a:buChar char="•"/>
+                      </a:pPr>
+                      <a:r>
+                        <a:rPr lang="en-US" dirty="0"/>
+                        <a:t>Main introduces reader to site’s purpose and use</a:t>
+                      </a:r>
+                    </a:p>
+                    <a:p>
+                      <a:pPr marL="742950" lvl="1" indent="-285750">
+                        <a:buFont typeface="Arial" panose="020B0604020202020204" pitchFamily="34" charset="0"/>
+                        <a:buChar char="•"/>
+                      </a:pPr>
+                      <a:r>
+                        <a:rPr lang="en-US" dirty="0"/>
+                        <a:t>About page has selfie and information about the author</a:t>
+                      </a:r>
+                    </a:p>
+                  </a:txBody>
+                  <a:tcPr/>
+                </a:tc>
+                <a:tc>
+                  <a:txBody>
+                    <a:bodyPr/>
+                    <a:lstStyle/>
+                    <a:p>
+                      <a:endParaRPr lang="en-US" dirty="0"/>
+                    </a:p>
+                  </a:txBody>
+                  <a:tcPr/>
+                </a:tc>
+                <a:extLst>
+                  <a:ext uri="{0D108BD9-81ED-4DB2-BD59-A6C34878D82A}">
+                    <a16:rowId xmlns:a16="http://schemas.microsoft.com/office/drawing/2014/main" val="2035991237"/>
+                  </a:ext>
+                </a:extLst>
+              </a:tr>
+            </a:tbl>
+          </a:graphicData>
+        </a:graphic>
+      </p:graphicFrame>
+      <p:sp>
+        <p:nvSpPr>
+          <p:cNvPr id="4" name="Slide Number Placeholder 3">
+            <a:extLst>
+              <a:ext uri="{FF2B5EF4-FFF2-40B4-BE49-F238E27FC236}">
+                <a16:creationId xmlns:a16="http://schemas.microsoft.com/office/drawing/2014/main" id="{0FA5DAF8-BF85-4815-A86E-79633830CFAC}"/>
+              </a:ext>
+            </a:extLst>
+          </p:cNvPr>
+          <p:cNvSpPr>
+            <a:spLocks noGrp="1"/>
+          </p:cNvSpPr>
+          <p:nvPr>
+            <p:ph type="sldNum" sz="quarter" idx="12"/>
+          </p:nvPr>
+        </p:nvSpPr>
+        <p:spPr/>
+        <p:txBody>
+          <a:bodyPr/>
+          <a:lstStyle/>
+          <a:p>
+            <a:fld id="{CAB166B3-F268-4CEF-878A-CFB0D0D505D3}" type="slidenum">
+              <a:rPr lang="en-US" smtClean="0"/>
+              <a:t>6</a:t>
+            </a:fld>
+            <a:endParaRPr lang="en-US"/>
+          </a:p>
+        </p:txBody>
+      </p:sp>
+      <p:sp>
+        <p:nvSpPr>
+          <p:cNvPr id="6" name="TextBox 5">
+            <a:extLst>
+              <a:ext uri="{FF2B5EF4-FFF2-40B4-BE49-F238E27FC236}">
+                <a16:creationId xmlns:a16="http://schemas.microsoft.com/office/drawing/2014/main" id="{CBC2CAE9-58A0-413E-8BB6-350843BFCF03}"/>
+              </a:ext>
+            </a:extLst>
+          </p:cNvPr>
+          <p:cNvSpPr txBox="1"/>
+          <p:nvPr/>
+        </p:nvSpPr>
+        <p:spPr>
+          <a:xfrm>
+            <a:off x="628650" y="5771576"/>
+            <a:ext cx="6895271" cy="584775"/>
+          </a:xfrm>
+          <a:prstGeom prst="rect">
+            <a:avLst/>
+          </a:prstGeom>
+          <a:noFill/>
+        </p:spPr>
+        <p:txBody>
+          <a:bodyPr wrap="square" rtlCol="0">
+            <a:spAutoFit/>
+          </a:bodyPr>
+          <a:lstStyle/>
+          <a:p>
+            <a:r>
+              <a:rPr lang="en-US" sz="1600" dirty="0"/>
+              <a:t>Note: Each page is marked based on relevant material and clarity.  Only a very small percentage is awarded to aesthetics.</a:t>
+            </a:r>
+          </a:p>
+        </p:txBody>
+      </p:sp>
+    </p:spTree>
+    <p:extLst>
+      <p:ext uri="{BB962C8B-B14F-4D97-AF65-F5344CB8AC3E}">
+        <p14:creationId xmlns:p14="http://schemas.microsoft.com/office/powerpoint/2010/main" val="638931556"/>
+      </p:ext>
+    </p:extLst>
+  </p:cSld>
+  <p:clrMapOvr>
+    <a:masterClrMapping/>
+  </p:clrMapOvr>
+</p:sld>
+</file>
+
+<file path=ppt/slides/slide7.xml><?xml version="1.0" encoding="utf-8"?>
+<p:sld xmlns:a="http://schemas.openxmlformats.org/drawingml/2006/main" xmlns:r="http://schemas.openxmlformats.org/officeDocument/2006/relationships" xmlns:p="http://schemas.openxmlformats.org/presentationml/2006/main">
+  <p:cSld>
+    <p:spTree>
+      <p:nvGrpSpPr>
+        <p:cNvPr id="1" name=""/>
+        <p:cNvGrpSpPr/>
+        <p:nvPr/>
+      </p:nvGrpSpPr>
+      <p:grpSpPr>
+        <a:xfrm>
+          <a:off x="0" y="0"/>
+          <a:ext cx="0" cy="0"/>
+          <a:chOff x="0" y="0"/>
+          <a:chExt cx="0" cy="0"/>
+        </a:xfrm>
+      </p:grpSpPr>
+      <p:sp>
+        <p:nvSpPr>
+          <p:cNvPr id="2" name="Title 1">
+            <a:extLst>
+              <a:ext uri="{FF2B5EF4-FFF2-40B4-BE49-F238E27FC236}">
+                <a16:creationId xmlns:a16="http://schemas.microsoft.com/office/drawing/2014/main" id="{F0ABA2DC-3DF6-42F2-815A-05BBEF98C052}"/>
+              </a:ext>
+            </a:extLst>
+          </p:cNvPr>
+          <p:cNvSpPr>
+            <a:spLocks noGrp="1"/>
+          </p:cNvSpPr>
+          <p:nvPr>
+            <p:ph type="title"/>
+          </p:nvPr>
+        </p:nvSpPr>
+        <p:spPr/>
+        <p:txBody>
+          <a:bodyPr>
+            <a:normAutofit/>
+          </a:bodyPr>
+          <a:lstStyle/>
+          <a:p>
+            <a:r>
+              <a:rPr lang="en-US" dirty="0"/>
+              <a:t>CA1 Documentation Site - 4</a:t>
+            </a:r>
+          </a:p>
+        </p:txBody>
+      </p:sp>
+      <p:graphicFrame>
+        <p:nvGraphicFramePr>
+          <p:cNvPr id="5" name="Table 5">
+            <a:extLst>
+              <a:ext uri="{FF2B5EF4-FFF2-40B4-BE49-F238E27FC236}">
+                <a16:creationId xmlns:a16="http://schemas.microsoft.com/office/drawing/2014/main" id="{95299431-A7BE-4399-8B5E-FE423180FD2D}"/>
+              </a:ext>
+            </a:extLst>
+          </p:cNvPr>
+          <p:cNvGraphicFramePr>
+            <a:graphicFrameLocks noGrp="1"/>
+          </p:cNvGraphicFramePr>
+          <p:nvPr>
+            <p:ph idx="1"/>
+            <p:extLst>
+              <p:ext uri="{D42A27DB-BD31-4B8C-83A1-F6EECF244321}">
+                <p14:modId xmlns:p14="http://schemas.microsoft.com/office/powerpoint/2010/main" val="2411066165"/>
+              </p:ext>
+            </p:extLst>
+          </p:nvPr>
+        </p:nvGraphicFramePr>
+        <p:xfrm>
+          <a:off x="628650" y="1561411"/>
+          <a:ext cx="7012056" cy="4216400"/>
+        </p:xfrm>
+        <a:graphic>
+          <a:graphicData uri="http://schemas.openxmlformats.org/drawingml/2006/table">
+            <a:tbl>
+              <a:tblPr firstRow="1" bandRow="1">
+                <a:tableStyleId>{93296810-A885-4BE3-A3E7-6D5BEEA58F35}</a:tableStyleId>
+              </a:tblPr>
+              <a:tblGrid>
+                <a:gridCol w="683315">
+                  <a:extLst>
+                    <a:ext uri="{9D8B030D-6E8A-4147-A177-3AD203B41FA5}">
+                      <a16:colId xmlns:a16="http://schemas.microsoft.com/office/drawing/2014/main" val="1861376879"/>
+                    </a:ext>
+                  </a:extLst>
+                </a:gridCol>
+                <a:gridCol w="4969565">
+                  <a:extLst>
+                    <a:ext uri="{9D8B030D-6E8A-4147-A177-3AD203B41FA5}">
+                      <a16:colId xmlns:a16="http://schemas.microsoft.com/office/drawing/2014/main" val="3016697099"/>
+                    </a:ext>
+                  </a:extLst>
+                </a:gridCol>
+                <a:gridCol w="1359176">
+                  <a:extLst>
+                    <a:ext uri="{9D8B030D-6E8A-4147-A177-3AD203B41FA5}">
+                      <a16:colId xmlns:a16="http://schemas.microsoft.com/office/drawing/2014/main" val="919163219"/>
+                    </a:ext>
+                  </a:extLst>
+                </a:gridCol>
+              </a:tblGrid>
+              <a:tr h="370840">
+                <a:tc>
+                  <a:txBody>
+                    <a:bodyPr/>
+                    <a:lstStyle/>
+                    <a:p>
+                      <a:r>
+                        <a:rPr lang="en-US" dirty="0" err="1"/>
+                        <a:t>SNo</a:t>
+                      </a:r>
+                      <a:endParaRPr lang="en-US" dirty="0"/>
+                    </a:p>
+                  </a:txBody>
+                  <a:tcPr/>
+                </a:tc>
+                <a:tc>
+                  <a:txBody>
+                    <a:bodyPr/>
+                    <a:lstStyle/>
+                    <a:p>
+                      <a:r>
+                        <a:rPr lang="en-US" dirty="0"/>
+                        <a:t>Description</a:t>
+                      </a:r>
+                    </a:p>
+                  </a:txBody>
+                  <a:tcPr/>
+                </a:tc>
+                <a:tc>
+                  <a:txBody>
+                    <a:bodyPr/>
+                    <a:lstStyle/>
+                    <a:p>
+                      <a:r>
+                        <a:rPr lang="en-US" dirty="0"/>
+                        <a:t>Weightage</a:t>
+                      </a:r>
+                    </a:p>
+                  </a:txBody>
+                  <a:tcPr/>
+                </a:tc>
+                <a:extLst>
+                  <a:ext uri="{0D108BD9-81ED-4DB2-BD59-A6C34878D82A}">
+                    <a16:rowId xmlns:a16="http://schemas.microsoft.com/office/drawing/2014/main" val="3295945985"/>
+                  </a:ext>
+                </a:extLst>
+              </a:tr>
+              <a:tr h="370840">
+                <a:tc>
+                  <a:txBody>
+                    <a:bodyPr/>
+                    <a:lstStyle/>
+                    <a:p>
+                      <a:r>
+                        <a:rPr lang="en-US" dirty="0"/>
+                        <a:t>2d</a:t>
+                      </a:r>
+                    </a:p>
+                  </a:txBody>
+                  <a:tcPr/>
+                </a:tc>
+                <a:tc>
+                  <a:txBody>
+                    <a:bodyPr/>
+                    <a:lstStyle/>
+                    <a:p>
+                      <a:r>
+                        <a:rPr lang="en-US" dirty="0"/>
+                        <a:t>Content</a:t>
+                      </a:r>
+                    </a:p>
+                  </a:txBody>
+                  <a:tcPr/>
+                </a:tc>
+                <a:tc>
+                  <a:txBody>
+                    <a:bodyPr/>
+                    <a:lstStyle/>
+                    <a:p>
+                      <a:r>
+                        <a:rPr lang="en-SG" dirty="0"/>
+                        <a:t>20%</a:t>
+                      </a:r>
+                      <a:endParaRPr lang="en-US" dirty="0"/>
+                    </a:p>
+                  </a:txBody>
+                  <a:tcPr/>
+                </a:tc>
+                <a:extLst>
+                  <a:ext uri="{0D108BD9-81ED-4DB2-BD59-A6C34878D82A}">
+                    <a16:rowId xmlns:a16="http://schemas.microsoft.com/office/drawing/2014/main" val="3431427688"/>
+                  </a:ext>
+                </a:extLst>
+              </a:tr>
+              <a:tr h="370840">
+                <a:tc>
+                  <a:txBody>
+                    <a:bodyPr/>
+                    <a:lstStyle/>
+                    <a:p>
+                      <a:endParaRPr lang="en-US" dirty="0"/>
+                    </a:p>
+                  </a:txBody>
+                  <a:tcPr/>
+                </a:tc>
+                <a:tc>
+                  <a:txBody>
+                    <a:bodyPr/>
+                    <a:lstStyle/>
+                    <a:p>
+                      <a:pPr marL="0" indent="0">
+                        <a:buFont typeface="Arial" panose="020B0604020202020204" pitchFamily="34" charset="0"/>
+                        <a:buNone/>
+                      </a:pPr>
+                      <a:r>
+                        <a:rPr lang="en-US" dirty="0"/>
+                        <a:t>At least 2 write-ups on separate pages for work done in term 1, in the form of Instructables, how-</a:t>
+                      </a:r>
+                      <a:r>
+                        <a:rPr lang="en-US" dirty="0" err="1"/>
+                        <a:t>to’s</a:t>
+                      </a:r>
+                      <a:r>
+                        <a:rPr lang="en-US" dirty="0"/>
+                        <a:t> or blog.</a:t>
+                      </a:r>
+                    </a:p>
+                  </a:txBody>
+                  <a:tcPr/>
+                </a:tc>
+                <a:tc>
+                  <a:txBody>
+                    <a:bodyPr/>
+                    <a:lstStyle/>
+                    <a:p>
+                      <a:endParaRPr lang="en-US" dirty="0"/>
+                    </a:p>
+                  </a:txBody>
+                  <a:tcPr/>
+                </a:tc>
+                <a:extLst>
+                  <a:ext uri="{0D108BD9-81ED-4DB2-BD59-A6C34878D82A}">
+                    <a16:rowId xmlns:a16="http://schemas.microsoft.com/office/drawing/2014/main" val="108414519"/>
+                  </a:ext>
+                </a:extLst>
+              </a:tr>
+              <a:tr h="370840">
+                <a:tc>
+                  <a:txBody>
+                    <a:bodyPr/>
+                    <a:lstStyle/>
+                    <a:p>
+                      <a:endParaRPr lang="en-US" dirty="0"/>
+                    </a:p>
+                  </a:txBody>
+                  <a:tcPr/>
+                </a:tc>
+                <a:tc>
+                  <a:txBody>
+                    <a:bodyPr/>
+                    <a:lstStyle/>
+                    <a:p>
+                      <a:pPr marL="0" marR="0" lvl="0" indent="0" algn="l" defTabSz="914400" rtl="0" eaLnBrk="1" fontAlgn="auto" latinLnBrk="0" hangingPunct="1">
+                        <a:lnSpc>
+                          <a:spcPct val="100000"/>
+                        </a:lnSpc>
+                        <a:spcBef>
+                          <a:spcPts val="0"/>
+                        </a:spcBef>
+                        <a:spcAft>
+                          <a:spcPts val="0"/>
+                        </a:spcAft>
+                        <a:buClrTx/>
+                        <a:buSzTx/>
+                        <a:buFont typeface="Arial" panose="020B0604020202020204" pitchFamily="34" charset="0"/>
+                        <a:buNone/>
+                        <a:tabLst/>
+                        <a:defRPr/>
+                      </a:pPr>
+                      <a:r>
+                        <a:rPr lang="en-US" dirty="0"/>
+                        <a:t>Examples:</a:t>
+                      </a:r>
+                      <a:endParaRPr lang="en-SG" dirty="0"/>
+                    </a:p>
+                    <a:p>
+                      <a:pPr marL="285750" indent="-285750">
+                        <a:buFont typeface="Arial" panose="020B0604020202020204" pitchFamily="34" charset="0"/>
+                        <a:buChar char="•"/>
+                      </a:pPr>
+                      <a:r>
+                        <a:rPr lang="en-SG" dirty="0"/>
+                        <a:t>Setting up a site using git &amp; Github pages</a:t>
+                      </a:r>
+                    </a:p>
+                    <a:p>
+                      <a:pPr marL="285750" indent="-285750">
+                        <a:buFont typeface="Arial" panose="020B0604020202020204" pitchFamily="34" charset="0"/>
+                        <a:buChar char="•"/>
+                      </a:pPr>
+                      <a:r>
+                        <a:rPr lang="en-SG" dirty="0"/>
+                        <a:t>Creating a site using Markdown</a:t>
+                      </a:r>
+                    </a:p>
+                    <a:p>
+                      <a:pPr marL="285750" indent="-285750">
+                        <a:buFont typeface="Arial" panose="020B0604020202020204" pitchFamily="34" charset="0"/>
+                        <a:buChar char="•"/>
+                      </a:pPr>
+                      <a:r>
+                        <a:rPr lang="en-US" dirty="0"/>
+                        <a:t>Using computer graphics</a:t>
+                      </a:r>
+                    </a:p>
+                    <a:p>
+                      <a:pPr marL="742950" lvl="1" indent="-285750">
+                        <a:buFont typeface="Arial" panose="020B0604020202020204" pitchFamily="34" charset="0"/>
+                        <a:buChar char="•"/>
+                      </a:pPr>
+                      <a:r>
+                        <a:rPr lang="en-US" dirty="0"/>
+                        <a:t>Raster graphics and removing backgrounds</a:t>
+                      </a:r>
+                    </a:p>
+                    <a:p>
+                      <a:pPr marL="742950" lvl="1" indent="-285750">
+                        <a:buFont typeface="Arial" panose="020B0604020202020204" pitchFamily="34" charset="0"/>
+                        <a:buChar char="•"/>
+                      </a:pPr>
+                      <a:r>
+                        <a:rPr lang="en-US" dirty="0"/>
+                        <a:t>Vector graphics and creating logos</a:t>
+                      </a:r>
+                    </a:p>
+                    <a:p>
+                      <a:pPr marL="285750" lvl="0" indent="-285750">
+                        <a:buFont typeface="Arial" panose="020B0604020202020204" pitchFamily="34" charset="0"/>
+                        <a:buChar char="•"/>
+                      </a:pPr>
+                      <a:r>
+                        <a:rPr lang="en-US" dirty="0"/>
+                        <a:t>Getting started with Fusion 360 for beginners</a:t>
+                      </a:r>
+                    </a:p>
+                    <a:p>
+                      <a:pPr marL="285750" lvl="0" indent="-285750">
+                        <a:buFont typeface="Arial" panose="020B0604020202020204" pitchFamily="34" charset="0"/>
+                        <a:buChar char="•"/>
+                      </a:pPr>
+                      <a:r>
+                        <a:rPr lang="en-US" dirty="0"/>
+                        <a:t>Using parametric modelling with Fusion 360</a:t>
+                      </a:r>
+                    </a:p>
+                    <a:p>
+                      <a:pPr marL="285750" lvl="0" indent="-285750">
+                        <a:buFont typeface="Arial" panose="020B0604020202020204" pitchFamily="34" charset="0"/>
+                        <a:buChar char="•"/>
+                      </a:pPr>
+                      <a:r>
+                        <a:rPr lang="en-US" dirty="0"/>
+                        <a:t>Creating 3D objects using Fusion 360 techniques</a:t>
+                      </a:r>
+                    </a:p>
+                  </a:txBody>
+                  <a:tcPr/>
+                </a:tc>
+                <a:tc>
+                  <a:txBody>
+                    <a:bodyPr/>
+                    <a:lstStyle/>
+                    <a:p>
+                      <a:endParaRPr lang="en-US" dirty="0"/>
+                    </a:p>
+                  </a:txBody>
+                  <a:tcPr/>
+                </a:tc>
+                <a:extLst>
+                  <a:ext uri="{0D108BD9-81ED-4DB2-BD59-A6C34878D82A}">
+                    <a16:rowId xmlns:a16="http://schemas.microsoft.com/office/drawing/2014/main" val="1175284905"/>
+                  </a:ext>
+                </a:extLst>
+              </a:tr>
+            </a:tbl>
+          </a:graphicData>
+        </a:graphic>
+      </p:graphicFrame>
+      <p:sp>
+        <p:nvSpPr>
+          <p:cNvPr id="4" name="Slide Number Placeholder 3">
+            <a:extLst>
+              <a:ext uri="{FF2B5EF4-FFF2-40B4-BE49-F238E27FC236}">
+                <a16:creationId xmlns:a16="http://schemas.microsoft.com/office/drawing/2014/main" id="{0FA5DAF8-BF85-4815-A86E-79633830CFAC}"/>
+              </a:ext>
+            </a:extLst>
+          </p:cNvPr>
+          <p:cNvSpPr>
+            <a:spLocks noGrp="1"/>
+          </p:cNvSpPr>
+          <p:nvPr>
+            <p:ph type="sldNum" sz="quarter" idx="12"/>
+          </p:nvPr>
+        </p:nvSpPr>
+        <p:spPr/>
+        <p:txBody>
+          <a:bodyPr/>
+          <a:lstStyle/>
+          <a:p>
+            <a:fld id="{CAB166B3-F268-4CEF-878A-CFB0D0D505D3}" type="slidenum">
+              <a:rPr lang="en-US" smtClean="0"/>
+              <a:t>7</a:t>
+            </a:fld>
+            <a:endParaRPr lang="en-US"/>
+          </a:p>
+        </p:txBody>
+      </p:sp>
+      <p:sp>
+        <p:nvSpPr>
+          <p:cNvPr id="6" name="TextBox 5">
+            <a:extLst>
+              <a:ext uri="{FF2B5EF4-FFF2-40B4-BE49-F238E27FC236}">
+                <a16:creationId xmlns:a16="http://schemas.microsoft.com/office/drawing/2014/main" id="{CBC2CAE9-58A0-413E-8BB6-350843BFCF03}"/>
+              </a:ext>
+            </a:extLst>
+          </p:cNvPr>
+          <p:cNvSpPr txBox="1"/>
+          <p:nvPr/>
+        </p:nvSpPr>
+        <p:spPr>
+          <a:xfrm>
+            <a:off x="628650" y="5908099"/>
+            <a:ext cx="6895271" cy="338554"/>
+          </a:xfrm>
+          <a:prstGeom prst="rect">
+            <a:avLst/>
+          </a:prstGeom>
+          <a:noFill/>
+        </p:spPr>
+        <p:txBody>
+          <a:bodyPr wrap="square" rtlCol="0">
+            <a:spAutoFit/>
+          </a:bodyPr>
+          <a:lstStyle/>
+          <a:p>
+            <a:r>
+              <a:rPr lang="en-US" sz="1600" dirty="0"/>
+              <a:t>Note: Each page is marked based on relevant material, clarity and originality.</a:t>
+            </a:r>
+          </a:p>
+        </p:txBody>
+      </p:sp>
+    </p:spTree>
+    <p:extLst>
+      <p:ext uri="{BB962C8B-B14F-4D97-AF65-F5344CB8AC3E}">
+        <p14:creationId xmlns:p14="http://schemas.microsoft.com/office/powerpoint/2010/main" val="4029340461"/>
+      </p:ext>
+    </p:extLst>
+  </p:cSld>
+  <p:clrMapOvr>
+    <a:masterClrMapping/>
+  </p:clrMapOvr>
+</p:sld>
+</file>
+
+<file path=ppt/slides/slide8.xml><?xml version="1.0" encoding="utf-8"?>
 <p:sld xmlns:a="http://schemas.openxmlformats.org/drawingml/2006/main" xmlns:r="http://schemas.openxmlformats.org/officeDocument/2006/relationships" xmlns:p="http://schemas.openxmlformats.org/presentationml/2006/main">
   <p:cSld>
     <p:spTree>
@@ -5031,7 +6570,7 @@
           <a:p>
             <a:fld id="{CAB166B3-F268-4CEF-878A-CFB0D0D505D3}" type="slidenum">
               <a:rPr lang="en-US" smtClean="0"/>
-              <a:t>4</a:t>
+              <a:t>8</a:t>
             </a:fld>
             <a:endParaRPr lang="en-US"/>
           </a:p>
@@ -5085,7 +6624,7 @@
 </p:sld>
 </file>
 
-<file path=ppt/slides/slide5.xml><?xml version="1.0" encoding="utf-8"?>
+<file path=ppt/slides/slide9.xml><?xml version="1.0" encoding="utf-8"?>
 <p:sld xmlns:a="http://schemas.openxmlformats.org/drawingml/2006/main" xmlns:r="http://schemas.openxmlformats.org/officeDocument/2006/relationships" xmlns:p="http://schemas.openxmlformats.org/presentationml/2006/main">
   <p:cSld>
     <p:spTree>
@@ -5124,10 +6663,9 @@
           <a:lstStyle/>
           <a:p>
             <a:r>
-              <a:rPr lang="en-US" dirty="0" smtClean="0"/>
+              <a:rPr lang="en-US" dirty="0"/>
               <a:t>CA3 Summative Project</a:t>
             </a:r>
-            <a:endParaRPr lang="en-US" dirty="0"/>
           </a:p>
         </p:txBody>
       </p:sp>
@@ -5253,24 +6791,19 @@
                     <a:p>
                       <a:r>
                         <a:rPr lang="en-SG" dirty="0"/>
-                        <a:t>3D </a:t>
-                      </a:r>
-                      <a:r>
-                        <a:rPr lang="en-SG" dirty="0" smtClean="0"/>
-                        <a:t>Printing</a:t>
-                      </a:r>
-                      <a:endParaRPr lang="en-SG" dirty="0"/>
-                    </a:p>
-                  </a:txBody>
-                  <a:tcPr/>
-                </a:tc>
-                <a:tc>
-                  <a:txBody>
-                    <a:bodyPr/>
-                    <a:lstStyle/>
-                    <a:p>
-                      <a:r>
-                        <a:rPr lang="en-SG" dirty="0" smtClean="0"/>
+                        <a:t>3D Printing</a:t>
+                      </a:r>
+                    </a:p>
+                  </a:txBody>
+                  <a:tcPr/>
+                </a:tc>
+                <a:tc>
+                  <a:txBody>
+                    <a:bodyPr/>
+                    <a:lstStyle/>
+                    <a:p>
+                      <a:r>
+                        <a:rPr lang="en-SG" dirty="0"/>
                         <a:t>15%</a:t>
                       </a:r>
                       <a:endParaRPr lang="en-US" dirty="0"/>
@@ -5306,24 +6839,19 @@
                     <a:p>
                       <a:r>
                         <a:rPr lang="en-SG" dirty="0"/>
-                        <a:t>Computer Controlled </a:t>
-                      </a:r>
-                      <a:r>
-                        <a:rPr lang="en-SG" dirty="0" smtClean="0"/>
-                        <a:t>Cutting</a:t>
-                      </a:r>
-                      <a:endParaRPr lang="en-SG" dirty="0"/>
-                    </a:p>
-                  </a:txBody>
-                  <a:tcPr/>
-                </a:tc>
-                <a:tc>
-                  <a:txBody>
-                    <a:bodyPr/>
-                    <a:lstStyle/>
-                    <a:p>
-                      <a:r>
-                        <a:rPr lang="en-SG" dirty="0" smtClean="0"/>
+                        <a:t>Computer Controlled Cutting</a:t>
+                      </a:r>
+                    </a:p>
+                  </a:txBody>
+                  <a:tcPr/>
+                </a:tc>
+                <a:tc>
+                  <a:txBody>
+                    <a:bodyPr/>
+                    <a:lstStyle/>
+                    <a:p>
+                      <a:r>
+                        <a:rPr lang="en-SG" dirty="0"/>
                         <a:t>15%</a:t>
                       </a:r>
                       <a:endParaRPr lang="en-US" dirty="0"/>
@@ -5344,10 +6872,9 @@
                     <a:lstStyle/>
                     <a:p>
                       <a:r>
-                        <a:rPr lang="en-US" dirty="0" smtClean="0"/>
+                        <a:rPr lang="en-US" dirty="0"/>
                         <a:t>3</a:t>
                       </a:r>
-                      <a:endParaRPr lang="en-US" dirty="0"/>
                     </a:p>
                   </a:txBody>
                   <a:tcPr/>
@@ -5362,11 +6889,11 @@
                         <a:buNone/>
                       </a:pPr>
                       <a:r>
-                        <a:rPr lang="en-US" dirty="0" smtClean="0"/>
+                        <a:rPr lang="en-US" dirty="0"/>
                         <a:t>Embedded</a:t>
                       </a:r>
                       <a:r>
-                        <a:rPr lang="en-US" baseline="0" dirty="0" smtClean="0"/>
+                        <a:rPr lang="en-US" baseline="0" dirty="0"/>
                         <a:t> Systems (with Input/Output)</a:t>
                       </a:r>
                       <a:endParaRPr lang="en-US" dirty="0"/>
@@ -5380,7 +6907,7 @@
                     <a:lstStyle/>
                     <a:p>
                       <a:r>
-                        <a:rPr lang="en-SG" dirty="0" smtClean="0"/>
+                        <a:rPr lang="en-SG" dirty="0"/>
                         <a:t>15%</a:t>
                       </a:r>
                       <a:endParaRPr lang="en-US" dirty="0"/>
@@ -5401,10 +6928,9 @@
                     <a:lstStyle/>
                     <a:p>
                       <a:r>
-                        <a:rPr lang="en-US" dirty="0" smtClean="0"/>
+                        <a:rPr lang="en-US" dirty="0"/>
                         <a:t>4</a:t>
                       </a:r>
-                      <a:endParaRPr lang="en-US" dirty="0"/>
                     </a:p>
                   </a:txBody>
                   <a:tcPr/>
@@ -5419,24 +6945,22 @@
                         <a:buNone/>
                       </a:pPr>
                       <a:r>
-                        <a:rPr lang="en-US" dirty="0" smtClean="0"/>
+                        <a:rPr lang="en-US" dirty="0"/>
                         <a:t>Integration</a:t>
                       </a:r>
-                      <a:endParaRPr lang="en-US" dirty="0"/>
-                    </a:p>
-                  </a:txBody>
-                  <a:tcPr/>
-                </a:tc>
-                <a:tc>
-                  <a:txBody>
-                    <a:bodyPr/>
-                    <a:lstStyle/>
-                    <a:p>
-                      <a:r>
-                        <a:rPr lang="en-US" dirty="0" smtClean="0"/>
+                    </a:p>
+                  </a:txBody>
+                  <a:tcPr/>
+                </a:tc>
+                <a:tc>
+                  <a:txBody>
+                    <a:bodyPr/>
+                    <a:lstStyle/>
+                    <a:p>
+                      <a:r>
+                        <a:rPr lang="en-US" dirty="0"/>
                         <a:t>20%</a:t>
                       </a:r>
-                      <a:endParaRPr lang="en-US" dirty="0"/>
                     </a:p>
                   </a:txBody>
                   <a:tcPr/>
@@ -5454,10 +6978,9 @@
                     <a:lstStyle/>
                     <a:p>
                       <a:r>
-                        <a:rPr lang="en-US" dirty="0" smtClean="0"/>
+                        <a:rPr lang="en-US" dirty="0"/>
                         <a:t>5</a:t>
                       </a:r>
-                      <a:endParaRPr lang="en-US" dirty="0"/>
                     </a:p>
                   </a:txBody>
                   <a:tcPr/>
@@ -5472,24 +6995,22 @@
                         <a:buNone/>
                       </a:pPr>
                       <a:r>
-                        <a:rPr lang="en-US" dirty="0" smtClean="0"/>
+                        <a:rPr lang="en-US" dirty="0"/>
                         <a:t>Presentation</a:t>
                       </a:r>
-                      <a:endParaRPr lang="en-US" dirty="0"/>
-                    </a:p>
-                  </a:txBody>
-                  <a:tcPr/>
-                </a:tc>
-                <a:tc>
-                  <a:txBody>
-                    <a:bodyPr/>
-                    <a:lstStyle/>
-                    <a:p>
-                      <a:r>
-                        <a:rPr lang="en-US" dirty="0" smtClean="0"/>
+                    </a:p>
+                  </a:txBody>
+                  <a:tcPr/>
+                </a:tc>
+                <a:tc>
+                  <a:txBody>
+                    <a:bodyPr/>
+                    <a:lstStyle/>
+                    <a:p>
+                      <a:r>
+                        <a:rPr lang="en-US" dirty="0"/>
                         <a:t>15%</a:t>
                       </a:r>
-                      <a:endParaRPr lang="en-US" dirty="0"/>
                     </a:p>
                   </a:txBody>
                   <a:tcPr/>
@@ -5507,10 +7028,9 @@
                     <a:lstStyle/>
                     <a:p>
                       <a:r>
-                        <a:rPr lang="en-US" dirty="0" smtClean="0"/>
+                        <a:rPr lang="en-US" dirty="0"/>
                         <a:t>6</a:t>
                       </a:r>
-                      <a:endParaRPr lang="en-US" dirty="0"/>
                     </a:p>
                   </a:txBody>
                   <a:tcPr/>
@@ -5525,24 +7045,22 @@
                         <a:buNone/>
                       </a:pPr>
                       <a:r>
-                        <a:rPr lang="en-US" dirty="0" smtClean="0"/>
+                        <a:rPr lang="en-US" dirty="0"/>
                         <a:t>Documentation</a:t>
                       </a:r>
-                      <a:endParaRPr lang="en-US" dirty="0"/>
-                    </a:p>
-                  </a:txBody>
-                  <a:tcPr/>
-                </a:tc>
-                <a:tc>
-                  <a:txBody>
-                    <a:bodyPr/>
-                    <a:lstStyle/>
-                    <a:p>
-                      <a:r>
-                        <a:rPr lang="en-US" dirty="0" smtClean="0"/>
+                    </a:p>
+                  </a:txBody>
+                  <a:tcPr/>
+                </a:tc>
+                <a:tc>
+                  <a:txBody>
+                    <a:bodyPr/>
+                    <a:lstStyle/>
+                    <a:p>
+                      <a:r>
+                        <a:rPr lang="en-US" dirty="0"/>
                         <a:t>15%</a:t>
                       </a:r>
-                      <a:endParaRPr lang="en-US" dirty="0"/>
                     </a:p>
                   </a:txBody>
                   <a:tcPr/>
@@ -5560,10 +7078,9 @@
                     <a:lstStyle/>
                     <a:p>
                       <a:r>
-                        <a:rPr lang="en-US" dirty="0" smtClean="0"/>
+                        <a:rPr lang="en-US" dirty="0"/>
                         <a:t>7</a:t>
                       </a:r>
-                      <a:endParaRPr lang="en-US" dirty="0"/>
                     </a:p>
                   </a:txBody>
                   <a:tcPr/>
@@ -5578,11 +7095,11 @@
                         <a:buNone/>
                       </a:pPr>
                       <a:r>
-                        <a:rPr lang="en-US" dirty="0" smtClean="0"/>
+                        <a:rPr lang="en-US" dirty="0"/>
                         <a:t>Innovation, Expertise, Work</a:t>
                       </a:r>
                       <a:r>
-                        <a:rPr lang="en-US" baseline="0" dirty="0" smtClean="0"/>
+                        <a:rPr lang="en-US" baseline="0" dirty="0"/>
                         <a:t> done</a:t>
                       </a:r>
                       <a:endParaRPr lang="en-US" dirty="0"/>
@@ -5596,10 +7113,9 @@
                     <a:lstStyle/>
                     <a:p>
                       <a:r>
-                        <a:rPr lang="en-US" dirty="0" smtClean="0"/>
+                        <a:rPr lang="en-US" dirty="0"/>
                         <a:t>10%</a:t>
                       </a:r>
-                      <a:endParaRPr lang="en-US" dirty="0"/>
                     </a:p>
                   </a:txBody>
                   <a:tcPr/>
@@ -5672,32 +7188,26 @@
                         <a:buNone/>
                       </a:pPr>
                       <a:r>
-                        <a:rPr lang="en-US" dirty="0" smtClean="0"/>
+                        <a:rPr lang="en-US" dirty="0"/>
                         <a:t>Total</a:t>
                       </a:r>
-                      <a:endParaRPr lang="en-US" dirty="0"/>
-                    </a:p>
-                  </a:txBody>
-                  <a:tcPr/>
-                </a:tc>
-                <a:tc>
-                  <a:txBody>
-                    <a:bodyPr/>
-                    <a:lstStyle/>
-                    <a:p>
-                      <a:r>
-                        <a:rPr lang="en-US" b="1" dirty="0" smtClean="0">
+                    </a:p>
+                  </a:txBody>
+                  <a:tcPr/>
+                </a:tc>
+                <a:tc>
+                  <a:txBody>
+                    <a:bodyPr/>
+                    <a:lstStyle/>
+                    <a:p>
+                      <a:r>
+                        <a:rPr lang="en-US" b="1" dirty="0">
                           <a:solidFill>
                             <a:srgbClr val="FF0000"/>
                           </a:solidFill>
                         </a:rPr>
                         <a:t>105</a:t>
                       </a:r>
-                      <a:endParaRPr lang="en-US" b="1" dirty="0">
-                        <a:solidFill>
-                          <a:srgbClr val="FF0000"/>
-                        </a:solidFill>
-                      </a:endParaRPr>
                     </a:p>
                   </a:txBody>
                   <a:tcPr/>
@@ -5735,7 +7245,7 @@
           <a:p>
             <a:fld id="{CAB166B3-F268-4CEF-878A-CFB0D0D505D3}" type="slidenum">
               <a:rPr lang="en-US" smtClean="0"/>
-              <a:t>5</a:t>
+              <a:t>9</a:t>
             </a:fld>
             <a:endParaRPr lang="en-US"/>
           </a:p>
@@ -5771,13 +7281,8 @@
           <a:p>
             <a:r>
               <a:rPr lang="en-US" sz="1600" dirty="0"/>
-              <a:t>Note: </a:t>
-            </a:r>
-            <a:r>
-              <a:rPr lang="en-US" sz="1600" dirty="0" smtClean="0"/>
-              <a:t>You can score a maximum of 100 marks out of 105.  The 5 marks are bonus marks which may be gained in any section</a:t>
-            </a:r>
-            <a:endParaRPr lang="en-US" sz="1600" dirty="0"/>
+              <a:t>Note: You can score a maximum of 100 marks out of 105.  The 5 marks are bonus marks which may be gained in any section</a:t>
+            </a:r>
           </a:p>
         </p:txBody>
       </p:sp>
@@ -5785,102 +7290,6 @@
     <p:extLst>
       <p:ext uri="{BB962C8B-B14F-4D97-AF65-F5344CB8AC3E}">
         <p14:creationId xmlns:p14="http://schemas.microsoft.com/office/powerpoint/2010/main" val="3652329336"/>
-      </p:ext>
-    </p:extLst>
-  </p:cSld>
-  <p:clrMapOvr>
-    <a:masterClrMapping/>
-  </p:clrMapOvr>
-</p:sld>
-</file>
-
-<file path=ppt/slides/slide6.xml><?xml version="1.0" encoding="utf-8"?>
-<p:sld xmlns:a="http://schemas.openxmlformats.org/drawingml/2006/main" xmlns:r="http://schemas.openxmlformats.org/officeDocument/2006/relationships" xmlns:p="http://schemas.openxmlformats.org/presentationml/2006/main">
-  <p:cSld>
-    <p:spTree>
-      <p:nvGrpSpPr>
-        <p:cNvPr id="1" name=""/>
-        <p:cNvGrpSpPr/>
-        <p:nvPr/>
-      </p:nvGrpSpPr>
-      <p:grpSpPr>
-        <a:xfrm>
-          <a:off x="0" y="0"/>
-          <a:ext cx="0" cy="0"/>
-          <a:chOff x="0" y="0"/>
-          <a:chExt cx="0" cy="0"/>
-        </a:xfrm>
-      </p:grpSpPr>
-      <p:sp>
-        <p:nvSpPr>
-          <p:cNvPr id="2" name="Title 1">
-            <a:extLst>
-              <a:ext uri="{FF2B5EF4-FFF2-40B4-BE49-F238E27FC236}">
-                <a16:creationId xmlns:a16="http://schemas.microsoft.com/office/drawing/2014/main" id="{29757EC0-C4C7-4C21-8BBD-162462AD095F}"/>
-              </a:ext>
-            </a:extLst>
-          </p:cNvPr>
-          <p:cNvSpPr>
-            <a:spLocks noGrp="1"/>
-          </p:cNvSpPr>
-          <p:nvPr>
-            <p:ph type="ctrTitle"/>
-          </p:nvPr>
-        </p:nvSpPr>
-        <p:spPr/>
-        <p:txBody>
-          <a:bodyPr/>
-          <a:lstStyle/>
-          <a:p>
-            <a:r>
-              <a:rPr lang="en-US" dirty="0"/>
-              <a:t>EP1000</a:t>
-            </a:r>
-          </a:p>
-        </p:txBody>
-      </p:sp>
-      <p:sp>
-        <p:nvSpPr>
-          <p:cNvPr id="3" name="Subtitle 2">
-            <a:extLst>
-              <a:ext uri="{FF2B5EF4-FFF2-40B4-BE49-F238E27FC236}">
-                <a16:creationId xmlns:a16="http://schemas.microsoft.com/office/drawing/2014/main" id="{1F579C3D-8773-4BAF-B0E2-847945ECA23E}"/>
-              </a:ext>
-            </a:extLst>
-          </p:cNvPr>
-          <p:cNvSpPr>
-            <a:spLocks noGrp="1"/>
-          </p:cNvSpPr>
-          <p:nvPr>
-            <p:ph type="subTitle" idx="1"/>
-          </p:nvPr>
-        </p:nvSpPr>
-        <p:spPr/>
-        <p:txBody>
-          <a:bodyPr/>
-          <a:lstStyle/>
-          <a:p>
-            <a:r>
-              <a:rPr lang="en-US" dirty="0"/>
-              <a:t>Assessment 2021</a:t>
-            </a:r>
-          </a:p>
-          <a:p>
-            <a:r>
-              <a:rPr lang="en-US" dirty="0">
-                <a:solidFill>
-                  <a:srgbClr val="FF0000"/>
-                </a:solidFill>
-              </a:rPr>
-              <a:t>End</a:t>
-            </a:r>
-          </a:p>
-        </p:txBody>
-      </p:sp>
-    </p:spTree>
-    <p:extLst>
-      <p:ext uri="{BB962C8B-B14F-4D97-AF65-F5344CB8AC3E}">
-        <p14:creationId xmlns:p14="http://schemas.microsoft.com/office/powerpoint/2010/main" val="2293809126"/>
       </p:ext>
     </p:extLst>
   </p:cSld>
